--- a/DsDotNet/src/UnitTest/UnitTest.Model/ImportOfficeExample/Sample/Lib/Part/Sensor.pptx
+++ b/DsDotNet/src/UnitTest/UnitTest.Model/ImportOfficeExample/Sample/Lib/Part/Sensor.pptx
@@ -216,7 +216,7 @@
           <a:p>
             <a:fld id="{DD503887-5801-43A0-AEF9-041E8DDC2558}" type="datetimeFigureOut">
               <a:rPr lang="ko-KR" altLang="en-US" smtClean="0"/>
-              <a:t>2023-02-02</a:t>
+              <a:t>2023-08-21</a:t>
             </a:fld>
             <a:endParaRPr lang="ko-KR" altLang="en-US"/>
           </a:p>
@@ -393,7 +393,7 @@
           <a:p>
             <a:fld id="{95336A0E-57B1-4D4C-BD9B-2F72B5943464}" type="datetimeFigureOut">
               <a:rPr lang="ko-KR" altLang="en-US" smtClean="0"/>
-              <a:t>2023-02-02</a:t>
+              <a:t>2023-08-21</a:t>
             </a:fld>
             <a:endParaRPr lang="ko-KR" altLang="en-US"/>
           </a:p>
@@ -755,7 +755,7 @@
           <a:effectLst/>
           <a:extLst>
             <a:ext uri="{91240B29-F687-4f45-9708-019B960494DF}">
-              <a14:hiddenLine xmlns:a14="http://schemas.microsoft.com/office/drawing/2010/main" xmlns="" w="9525">
+              <a14:hiddenLine xmlns="" xmlns:a14="http://schemas.microsoft.com/office/drawing/2010/main" w="9525">
                 <a:solidFill>
                   <a:srgbClr val="000000"/>
                 </a:solidFill>
@@ -947,7 +947,7 @@
           <a:p>
             <a:fld id="{DEA6EBF0-8E22-42A7-9BEA-2AC7066E6498}" type="datetimeFigureOut">
               <a:rPr lang="ko-KR" altLang="en-US" smtClean="0"/>
-              <a:t>2023-02-02</a:t>
+              <a:t>2023-08-21</a:t>
             </a:fld>
             <a:endParaRPr lang="ko-KR" altLang="en-US"/>
           </a:p>
@@ -1265,7 +1265,7 @@
           <a:p>
             <a:fld id="{DEA6EBF0-8E22-42A7-9BEA-2AC7066E6498}" type="datetimeFigureOut">
               <a:rPr lang="ko-KR" altLang="en-US" smtClean="0"/>
-              <a:t>2023-02-02</a:t>
+              <a:t>2023-08-21</a:t>
             </a:fld>
             <a:endParaRPr lang="ko-KR" altLang="en-US"/>
           </a:p>
@@ -1753,7 +1753,7 @@
           <a:p>
             <a:fld id="{DEA6EBF0-8E22-42A7-9BEA-2AC7066E6498}" type="datetimeFigureOut">
               <a:rPr lang="ko-KR" altLang="en-US" smtClean="0"/>
-              <a:t>2023-02-02</a:t>
+              <a:t>2023-08-21</a:t>
             </a:fld>
             <a:endParaRPr lang="ko-KR" altLang="en-US"/>
           </a:p>
@@ -2122,7 +2122,7 @@
           <a:p>
             <a:fld id="{DEA6EBF0-8E22-42A7-9BEA-2AC7066E6498}" type="datetimeFigureOut">
               <a:rPr lang="ko-KR" altLang="en-US" smtClean="0"/>
-              <a:t>2023-02-02</a:t>
+              <a:t>2023-08-21</a:t>
             </a:fld>
             <a:endParaRPr lang="ko-KR" altLang="en-US"/>
           </a:p>
@@ -2277,7 +2277,7 @@
           <a:ln/>
           <a:extLst>
             <a:ext uri="{91240B29-F687-4f45-9708-019B960494DF}">
-              <a14:hiddenLine xmlns:a14="http://schemas.microsoft.com/office/drawing/2010/main" xmlns="" w="9525">
+              <a14:hiddenLine xmlns="" xmlns:a14="http://schemas.microsoft.com/office/drawing/2010/main" w="9525">
                 <a:solidFill>
                   <a:srgbClr val="000000"/>
                 </a:solidFill>
@@ -2395,7 +2395,7 @@
           <a:p>
             <a:fld id="{DEA6EBF0-8E22-42A7-9BEA-2AC7066E6498}" type="datetimeFigureOut">
               <a:rPr lang="ko-KR" altLang="en-US" smtClean="0"/>
-              <a:t>2023-02-02</a:t>
+              <a:t>2023-08-21</a:t>
             </a:fld>
             <a:endParaRPr lang="ko-KR" altLang="en-US"/>
           </a:p>
@@ -2552,7 +2552,7 @@
           <a:ln/>
           <a:extLst>
             <a:ext uri="{91240B29-F687-4f45-9708-019B960494DF}">
-              <a14:hiddenLine xmlns:a14="http://schemas.microsoft.com/office/drawing/2010/main" xmlns="" w="9525">
+              <a14:hiddenLine xmlns="" xmlns:a14="http://schemas.microsoft.com/office/drawing/2010/main" w="9525">
                 <a:solidFill>
                   <a:srgbClr val="000000"/>
                 </a:solidFill>
@@ -2680,7 +2680,7 @@
           <a:p>
             <a:fld id="{DEA6EBF0-8E22-42A7-9BEA-2AC7066E6498}" type="datetimeFigureOut">
               <a:rPr lang="ko-KR" altLang="en-US" smtClean="0"/>
-              <a:t>2023-02-02</a:t>
+              <a:t>2023-08-21</a:t>
             </a:fld>
             <a:endParaRPr lang="ko-KR" altLang="en-US"/>
           </a:p>
@@ -2798,7 +2798,7 @@
           <a:p>
             <a:fld id="{DEA6EBF0-8E22-42A7-9BEA-2AC7066E6498}" type="datetimeFigureOut">
               <a:rPr lang="ko-KR" altLang="en-US" smtClean="0"/>
-              <a:t>2023-02-02</a:t>
+              <a:t>2023-08-21</a:t>
             </a:fld>
             <a:endParaRPr lang="ko-KR" altLang="en-US"/>
           </a:p>
@@ -2953,7 +2953,7 @@
           <a:ln/>
           <a:extLst>
             <a:ext uri="{91240B29-F687-4f45-9708-019B960494DF}">
-              <a14:hiddenLine xmlns:a14="http://schemas.microsoft.com/office/drawing/2010/main" xmlns="" w="9525">
+              <a14:hiddenLine xmlns="" xmlns:a14="http://schemas.microsoft.com/office/drawing/2010/main" w="9525">
                 <a:solidFill>
                   <a:srgbClr val="000000"/>
                 </a:solidFill>
@@ -3081,7 +3081,7 @@
           <a:p>
             <a:fld id="{DEA6EBF0-8E22-42A7-9BEA-2AC7066E6498}" type="datetimeFigureOut">
               <a:rPr lang="ko-KR" altLang="en-US" smtClean="0"/>
-              <a:t>2023-02-02</a:t>
+              <a:t>2023-08-21</a:t>
             </a:fld>
             <a:endParaRPr lang="ko-KR" altLang="en-US"/>
           </a:p>
@@ -3424,7 +3424,7 @@
           <a:p>
             <a:fld id="{DEA6EBF0-8E22-42A7-9BEA-2AC7066E6498}" type="datetimeFigureOut">
               <a:rPr lang="ko-KR" altLang="en-US" smtClean="0"/>
-              <a:t>2023-02-02</a:t>
+              <a:t>2023-08-21</a:t>
             </a:fld>
             <a:endParaRPr lang="ko-KR" altLang="en-US"/>
           </a:p>
@@ -3579,7 +3579,7 @@
           <a:ln/>
           <a:extLst>
             <a:ext uri="{91240B29-F687-4f45-9708-019B960494DF}">
-              <a14:hiddenLine xmlns:a14="http://schemas.microsoft.com/office/drawing/2010/main" xmlns="" w="9525">
+              <a14:hiddenLine xmlns="" xmlns:a14="http://schemas.microsoft.com/office/drawing/2010/main" w="9525">
                 <a:solidFill>
                   <a:srgbClr val="000000"/>
                 </a:solidFill>
@@ -3763,7 +3763,7 @@
           <a:p>
             <a:fld id="{DEA6EBF0-8E22-42A7-9BEA-2AC7066E6498}" type="datetimeFigureOut">
               <a:rPr lang="ko-KR" altLang="en-US" smtClean="0"/>
-              <a:t>2023-02-02</a:t>
+              <a:t>2023-08-21</a:t>
             </a:fld>
             <a:endParaRPr lang="ko-KR" altLang="en-US"/>
           </a:p>
@@ -3918,7 +3918,7 @@
           <a:ln/>
           <a:extLst>
             <a:ext uri="{91240B29-F687-4f45-9708-019B960494DF}">
-              <a14:hiddenLine xmlns:a14="http://schemas.microsoft.com/office/drawing/2010/main" xmlns="" w="9525">
+              <a14:hiddenLine xmlns="" xmlns:a14="http://schemas.microsoft.com/office/drawing/2010/main" w="9525">
                 <a:solidFill>
                   <a:srgbClr val="000000"/>
                 </a:solidFill>
@@ -4240,7 +4240,7 @@
           <a:p>
             <a:fld id="{DEA6EBF0-8E22-42A7-9BEA-2AC7066E6498}" type="datetimeFigureOut">
               <a:rPr lang="ko-KR" altLang="en-US" smtClean="0"/>
-              <a:t>2023-02-02</a:t>
+              <a:t>2023-08-21</a:t>
             </a:fld>
             <a:endParaRPr lang="ko-KR" altLang="en-US"/>
           </a:p>
@@ -4335,7 +4335,7 @@
           <a:p>
             <a:fld id="{DEA6EBF0-8E22-42A7-9BEA-2AC7066E6498}" type="datetimeFigureOut">
               <a:rPr lang="ko-KR" altLang="en-US" smtClean="0"/>
-              <a:t>2023-02-02</a:t>
+              <a:t>2023-08-21</a:t>
             </a:fld>
             <a:endParaRPr lang="ko-KR" altLang="en-US"/>
           </a:p>
@@ -4603,7 +4603,7 @@
           <a:ln/>
           <a:extLst>
             <a:ext uri="{91240B29-F687-4f45-9708-019B960494DF}">
-              <a14:hiddenLine xmlns:a14="http://schemas.microsoft.com/office/drawing/2010/main" xmlns="" w="9525">
+              <a14:hiddenLine xmlns="" xmlns:a14="http://schemas.microsoft.com/office/drawing/2010/main" w="9525">
                 <a:solidFill>
                   <a:srgbClr val="000000"/>
                 </a:solidFill>
@@ -4802,7 +4802,7 @@
           <a:p>
             <a:fld id="{DEA6EBF0-8E22-42A7-9BEA-2AC7066E6498}" type="datetimeFigureOut">
               <a:rPr lang="ko-KR" altLang="en-US" smtClean="0"/>
-              <a:t>2023-02-02</a:t>
+              <a:t>2023-08-21</a:t>
             </a:fld>
             <a:endParaRPr lang="ko-KR" altLang="en-US"/>
           </a:p>
@@ -5115,7 +5115,7 @@
           <a:p>
             <a:fld id="{DEA6EBF0-8E22-42A7-9BEA-2AC7066E6498}" type="datetimeFigureOut">
               <a:rPr lang="ko-KR" altLang="en-US" smtClean="0"/>
-              <a:t>2023-02-02</a:t>
+              <a:t>2023-08-21</a:t>
             </a:fld>
             <a:endParaRPr lang="ko-KR" altLang="en-US"/>
           </a:p>
@@ -5385,7 +5385,7 @@
           <a:p>
             <a:fld id="{DEA6EBF0-8E22-42A7-9BEA-2AC7066E6498}" type="datetimeFigureOut">
               <a:rPr lang="ko-KR" altLang="en-US" smtClean="0"/>
-              <a:t>2023-02-02</a:t>
+              <a:t>2023-08-21</a:t>
             </a:fld>
             <a:endParaRPr lang="ko-KR" altLang="en-US"/>
           </a:p>
@@ -5976,7 +5976,7 @@
         </p:nvSpPr>
         <p:spPr>
           <a:xfrm>
-            <a:off x="3309758" y="2991314"/>
+            <a:off x="4190540" y="2991314"/>
             <a:ext cx="1103086" cy="1066431"/>
           </a:xfrm>
           <a:prstGeom prst="rect">
@@ -6012,7 +6012,7 @@
             <a:pPr algn="ctr"/>
             <a:r>
               <a:rPr lang="en-US" altLang="ko-KR" sz="1200" dirty="0"/>
-              <a:t>Position</a:t>
+              <a:t>Part</a:t>
             </a:r>
           </a:p>
           <a:p>
@@ -6075,7 +6075,7 @@
             <a:pPr algn="ctr"/>
             <a:r>
               <a:rPr lang="en-US" altLang="ko-KR" sz="1200" dirty="0"/>
-              <a:t>Position</a:t>
+              <a:t>Part</a:t>
             </a:r>
           </a:p>
           <a:p>
@@ -6153,11 +6153,11 @@
               <a:rPr lang="en-US" altLang="ko-KR" sz="1400" dirty="0">
                 <a:ea typeface="현대하모니 M" panose="02020603020101020101"/>
               </a:rPr>
-              <a:t>[~ </a:t>
+              <a:t>[</a:t>
             </a:r>
             <a:r>
               <a:rPr lang="en-US" altLang="ko-KR" sz="1400" dirty="0"/>
-              <a:t>PositionADV</a:t>
+              <a:t>PositionADV ~ PartADV</a:t>
             </a:r>
             <a:r>
               <a:rPr lang="en-US" altLang="ko-KR" sz="1400" dirty="0">
@@ -6236,11 +6236,11 @@
               <a:rPr lang="en-US" altLang="ko-KR" sz="1400" dirty="0">
                 <a:ea typeface="현대하모니 M" panose="02020603020101020101"/>
               </a:rPr>
-              <a:t>[~ </a:t>
+              <a:t>[</a:t>
             </a:r>
             <a:r>
               <a:rPr lang="en-US" altLang="ko-KR" sz="1400" dirty="0"/>
-              <a:t>PositionRET</a:t>
+              <a:t>PositionRET ~ PartRET</a:t>
             </a:r>
             <a:r>
               <a:rPr lang="en-US" altLang="ko-KR" sz="1400" dirty="0">
@@ -6304,26 +6304,237 @@
           </a:fontRef>
         </p:style>
       </p:cxnSp>
+      <p:sp>
+        <p:nvSpPr>
+          <p:cNvPr id="5" name="직사각형 4">
+            <a:extLst>
+              <a:ext uri="{FF2B5EF4-FFF2-40B4-BE49-F238E27FC236}">
+                <a16:creationId xmlns:a16="http://schemas.microsoft.com/office/drawing/2014/main" id="{724391F1-A43A-7A5F-529D-B153C9015E35}"/>
+              </a:ext>
+            </a:extLst>
+          </p:cNvPr>
+          <p:cNvSpPr/>
+          <p:nvPr/>
+        </p:nvSpPr>
+        <p:spPr>
+          <a:xfrm>
+            <a:off x="1645598" y="2991314"/>
+            <a:ext cx="1103086" cy="1066431"/>
+          </a:xfrm>
+          <a:prstGeom prst="rect">
+            <a:avLst/>
+          </a:prstGeom>
+          <a:solidFill>
+            <a:schemeClr val="accent4">
+              <a:alpha val="50000"/>
+            </a:schemeClr>
+          </a:solidFill>
+          <a:ln>
+            <a:noFill/>
+          </a:ln>
+        </p:spPr>
+        <p:style>
+          <a:lnRef idx="0">
+            <a:scrgbClr r="0" g="0" b="0"/>
+          </a:lnRef>
+          <a:fillRef idx="0">
+            <a:scrgbClr r="0" g="0" b="0"/>
+          </a:fillRef>
+          <a:effectRef idx="0">
+            <a:scrgbClr r="0" g="0" b="0"/>
+          </a:effectRef>
+          <a:fontRef idx="minor">
+            <a:schemeClr val="lt1"/>
+          </a:fontRef>
+        </p:style>
+        <p:txBody>
+          <a:bodyPr rtlCol="0" anchor="ctr"/>
+          <a:lstStyle/>
+          <a:p>
+            <a:pPr algn="ctr"/>
+            <a:r>
+              <a:rPr lang="en-US" altLang="ko-KR" sz="1200" dirty="0"/>
+              <a:t>Position</a:t>
+            </a:r>
+          </a:p>
+          <a:p>
+            <a:pPr algn="ctr"/>
+            <a:r>
+              <a:rPr lang="en-US" altLang="ko-KR" sz="1200" dirty="0"/>
+              <a:t>ADV</a:t>
+            </a:r>
+            <a:endParaRPr lang="ko-KR" altLang="en-US" sz="1200" dirty="0"/>
+          </a:p>
+        </p:txBody>
+      </p:sp>
       <p:cxnSp>
         <p:nvCxnSpPr>
-          <p:cNvPr id="4" name="연결선: 꺾임 3">
+          <p:cNvPr id="7" name="직선 화살표 연결선 6">
             <a:extLst>
               <a:ext uri="{FF2B5EF4-FFF2-40B4-BE49-F238E27FC236}">
-                <a16:creationId xmlns:a16="http://schemas.microsoft.com/office/drawing/2014/main" id="{4E54C3BB-7447-B34B-FBA0-7CDE26CE0B30}"/>
+                <a16:creationId xmlns:a16="http://schemas.microsoft.com/office/drawing/2014/main" id="{60052C8C-8D23-5162-F515-013D240103C0}"/>
+              </a:ext>
+            </a:extLst>
+          </p:cNvPr>
+          <p:cNvCxnSpPr>
+            <a:stCxn id="5" idx="3"/>
+            <a:endCxn id="57" idx="1"/>
+          </p:cNvCxnSpPr>
+          <p:nvPr/>
+        </p:nvCxnSpPr>
+        <p:spPr>
+          <a:xfrm>
+            <a:off x="2748684" y="3524530"/>
+            <a:ext cx="1441856" cy="0"/>
+          </a:xfrm>
+          <a:prstGeom prst="straightConnector1">
+            <a:avLst/>
+          </a:prstGeom>
+          <a:ln>
+            <a:tailEnd type="triangle"/>
+          </a:ln>
+        </p:spPr>
+        <p:style>
+          <a:lnRef idx="1">
+            <a:schemeClr val="accent1"/>
+          </a:lnRef>
+          <a:fillRef idx="0">
+            <a:schemeClr val="accent1"/>
+          </a:fillRef>
+          <a:effectRef idx="0">
+            <a:schemeClr val="accent1"/>
+          </a:effectRef>
+          <a:fontRef idx="minor">
+            <a:schemeClr val="tx1"/>
+          </a:fontRef>
+        </p:style>
+      </p:cxnSp>
+      <p:sp>
+        <p:nvSpPr>
+          <p:cNvPr id="8" name="직사각형 7">
+            <a:extLst>
+              <a:ext uri="{FF2B5EF4-FFF2-40B4-BE49-F238E27FC236}">
+                <a16:creationId xmlns:a16="http://schemas.microsoft.com/office/drawing/2014/main" id="{8CA6530E-BA57-F917-6432-31B166B8F8C3}"/>
+              </a:ext>
+            </a:extLst>
+          </p:cNvPr>
+          <p:cNvSpPr/>
+          <p:nvPr/>
+        </p:nvSpPr>
+        <p:spPr>
+          <a:xfrm>
+            <a:off x="1639695" y="5147741"/>
+            <a:ext cx="1103086" cy="1066431"/>
+          </a:xfrm>
+          <a:prstGeom prst="rect">
+            <a:avLst/>
+          </a:prstGeom>
+          <a:solidFill>
+            <a:schemeClr val="accent4">
+              <a:alpha val="50000"/>
+            </a:schemeClr>
+          </a:solidFill>
+          <a:ln>
+            <a:noFill/>
+          </a:ln>
+        </p:spPr>
+        <p:style>
+          <a:lnRef idx="0">
+            <a:scrgbClr r="0" g="0" b="0"/>
+          </a:lnRef>
+          <a:fillRef idx="0">
+            <a:scrgbClr r="0" g="0" b="0"/>
+          </a:fillRef>
+          <a:effectRef idx="0">
+            <a:scrgbClr r="0" g="0" b="0"/>
+          </a:effectRef>
+          <a:fontRef idx="minor">
+            <a:schemeClr val="lt1"/>
+          </a:fontRef>
+        </p:style>
+        <p:txBody>
+          <a:bodyPr rtlCol="0" anchor="ctr"/>
+          <a:lstStyle/>
+          <a:p>
+            <a:pPr algn="ctr"/>
+            <a:r>
+              <a:rPr lang="en-US" altLang="ko-KR" sz="1200" dirty="0"/>
+              <a:t>Position</a:t>
+            </a:r>
+          </a:p>
+          <a:p>
+            <a:pPr algn="ctr"/>
+            <a:r>
+              <a:rPr lang="en-US" altLang="ko-KR" sz="1200" dirty="0"/>
+              <a:t>RET</a:t>
+            </a:r>
+            <a:endParaRPr lang="ko-KR" altLang="en-US" sz="1200" dirty="0"/>
+          </a:p>
+        </p:txBody>
+      </p:sp>
+      <p:cxnSp>
+        <p:nvCxnSpPr>
+          <p:cNvPr id="9" name="직선 화살표 연결선 8">
+            <a:extLst>
+              <a:ext uri="{FF2B5EF4-FFF2-40B4-BE49-F238E27FC236}">
+                <a16:creationId xmlns:a16="http://schemas.microsoft.com/office/drawing/2014/main" id="{203722E2-FC18-E647-8FC2-C2F3A1E744E0}"/>
               </a:ext>
             </a:extLst>
           </p:cNvPr>
           <p:cNvCxnSpPr>
             <a:cxnSpLocks/>
-            <a:stCxn id="68" idx="0"/>
-            <a:endCxn id="57" idx="2"/>
+            <a:stCxn id="8" idx="3"/>
+            <a:endCxn id="68" idx="1"/>
           </p:cNvCxnSpPr>
           <p:nvPr/>
         </p:nvCxnSpPr>
         <p:spPr>
-          <a:xfrm rot="16200000" flipV="1">
-            <a:off x="3788018" y="4131028"/>
-            <a:ext cx="1089996" cy="943429"/>
+          <a:xfrm>
+            <a:off x="2742781" y="5680957"/>
+            <a:ext cx="1510406" cy="0"/>
+          </a:xfrm>
+          <a:prstGeom prst="straightConnector1">
+            <a:avLst/>
+          </a:prstGeom>
+          <a:ln>
+            <a:tailEnd type="triangle"/>
+          </a:ln>
+        </p:spPr>
+        <p:style>
+          <a:lnRef idx="1">
+            <a:schemeClr val="accent1"/>
+          </a:lnRef>
+          <a:fillRef idx="0">
+            <a:schemeClr val="accent1"/>
+          </a:fillRef>
+          <a:effectRef idx="0">
+            <a:schemeClr val="accent1"/>
+          </a:effectRef>
+          <a:fontRef idx="minor">
+            <a:schemeClr val="tx1"/>
+          </a:fontRef>
+        </p:style>
+      </p:cxnSp>
+      <p:cxnSp>
+        <p:nvCxnSpPr>
+          <p:cNvPr id="11" name="연결선: 꺾임 10">
+            <a:extLst>
+              <a:ext uri="{FF2B5EF4-FFF2-40B4-BE49-F238E27FC236}">
+                <a16:creationId xmlns:a16="http://schemas.microsoft.com/office/drawing/2014/main" id="{AA637FA8-458B-905B-7F45-2CFC2FD67AD8}"/>
+              </a:ext>
+            </a:extLst>
+          </p:cNvPr>
+          <p:cNvCxnSpPr>
+            <a:cxnSpLocks/>
+            <a:stCxn id="8" idx="0"/>
+            <a:endCxn id="5" idx="2"/>
+          </p:cNvCxnSpPr>
+          <p:nvPr/>
+        </p:nvCxnSpPr>
+        <p:spPr>
+          <a:xfrm rot="5400000" flipH="1" flipV="1">
+            <a:off x="1649191" y="4599792"/>
+            <a:ext cx="1089996" cy="5903"/>
           </a:xfrm>
           <a:prstGeom prst="bentConnector3">
             <a:avLst>
@@ -6336,6 +6547,101 @@
             </a:solidFill>
             <a:prstDash val="dash"/>
             <a:headEnd type="triangle" w="med" len="med"/>
+            <a:tailEnd type="triangle" w="med" len="med"/>
+          </a:ln>
+        </p:spPr>
+        <p:style>
+          <a:lnRef idx="1">
+            <a:schemeClr val="accent1"/>
+          </a:lnRef>
+          <a:fillRef idx="0">
+            <a:schemeClr val="accent1"/>
+          </a:fillRef>
+          <a:effectRef idx="0">
+            <a:schemeClr val="accent1"/>
+          </a:effectRef>
+          <a:fontRef idx="minor">
+            <a:schemeClr val="tx1"/>
+          </a:fontRef>
+        </p:style>
+      </p:cxnSp>
+      <p:cxnSp>
+        <p:nvCxnSpPr>
+          <p:cNvPr id="28" name="직선 화살표 연결선 27">
+            <a:extLst>
+              <a:ext uri="{FF2B5EF4-FFF2-40B4-BE49-F238E27FC236}">
+                <a16:creationId xmlns:a16="http://schemas.microsoft.com/office/drawing/2014/main" id="{8573FCF5-A496-0639-AC7B-86C915E166F5}"/>
+              </a:ext>
+            </a:extLst>
+          </p:cNvPr>
+          <p:cNvCxnSpPr>
+            <a:stCxn id="5" idx="3"/>
+            <a:endCxn id="68" idx="0"/>
+          </p:cNvCxnSpPr>
+          <p:nvPr/>
+        </p:nvCxnSpPr>
+        <p:spPr>
+          <a:xfrm>
+            <a:off x="2748684" y="3524530"/>
+            <a:ext cx="2056046" cy="1623211"/>
+          </a:xfrm>
+          <a:prstGeom prst="straightConnector1">
+            <a:avLst/>
+          </a:prstGeom>
+          <a:ln w="57150" cmpd="dbl">
+            <a:solidFill>
+              <a:schemeClr val="accent6"/>
+            </a:solidFill>
+            <a:prstDash val="dash"/>
+            <a:headEnd type="none" w="med" len="med"/>
+            <a:tailEnd type="triangle" w="med" len="med"/>
+          </a:ln>
+        </p:spPr>
+        <p:style>
+          <a:lnRef idx="1">
+            <a:schemeClr val="accent1"/>
+          </a:lnRef>
+          <a:fillRef idx="0">
+            <a:schemeClr val="accent1"/>
+          </a:fillRef>
+          <a:effectRef idx="0">
+            <a:schemeClr val="accent1"/>
+          </a:effectRef>
+          <a:fontRef idx="minor">
+            <a:schemeClr val="tx1"/>
+          </a:fontRef>
+        </p:style>
+      </p:cxnSp>
+      <p:cxnSp>
+        <p:nvCxnSpPr>
+          <p:cNvPr id="29" name="직선 화살표 연결선 28">
+            <a:extLst>
+              <a:ext uri="{FF2B5EF4-FFF2-40B4-BE49-F238E27FC236}">
+                <a16:creationId xmlns:a16="http://schemas.microsoft.com/office/drawing/2014/main" id="{BA79CABF-0136-B798-E772-AC10BECA150E}"/>
+              </a:ext>
+            </a:extLst>
+          </p:cNvPr>
+          <p:cNvCxnSpPr>
+            <a:cxnSpLocks/>
+            <a:stCxn id="8" idx="3"/>
+            <a:endCxn id="57" idx="2"/>
+          </p:cNvCxnSpPr>
+          <p:nvPr/>
+        </p:nvCxnSpPr>
+        <p:spPr>
+          <a:xfrm flipV="1">
+            <a:off x="2742781" y="4057745"/>
+            <a:ext cx="1999302" cy="1623212"/>
+          </a:xfrm>
+          <a:prstGeom prst="straightConnector1">
+            <a:avLst/>
+          </a:prstGeom>
+          <a:ln w="57150" cmpd="dbl">
+            <a:solidFill>
+              <a:schemeClr val="accent6"/>
+            </a:solidFill>
+            <a:prstDash val="dash"/>
+            <a:headEnd type="none" w="med" len="med"/>
             <a:tailEnd type="triangle" w="med" len="med"/>
           </a:ln>
         </p:spPr>

--- a/DsDotNet/src/UnitTest/UnitTest.Model/ImportOfficeExample/Sample/Lib/Part/Sensor.pptx
+++ b/DsDotNet/src/UnitTest/UnitTest.Model/ImportOfficeExample/Sample/Lib/Part/Sensor.pptx
@@ -216,7 +216,7 @@
           <a:p>
             <a:fld id="{DD503887-5801-43A0-AEF9-041E8DDC2558}" type="datetimeFigureOut">
               <a:rPr lang="ko-KR" altLang="en-US" smtClean="0"/>
-              <a:t>2023-08-21</a:t>
+              <a:t>2023-09-04</a:t>
             </a:fld>
             <a:endParaRPr lang="ko-KR" altLang="en-US"/>
           </a:p>
@@ -393,7 +393,7 @@
           <a:p>
             <a:fld id="{95336A0E-57B1-4D4C-BD9B-2F72B5943464}" type="datetimeFigureOut">
               <a:rPr lang="ko-KR" altLang="en-US" smtClean="0"/>
-              <a:t>2023-08-21</a:t>
+              <a:t>2023-09-04</a:t>
             </a:fld>
             <a:endParaRPr lang="ko-KR" altLang="en-US"/>
           </a:p>
@@ -947,7 +947,7 @@
           <a:p>
             <a:fld id="{DEA6EBF0-8E22-42A7-9BEA-2AC7066E6498}" type="datetimeFigureOut">
               <a:rPr lang="ko-KR" altLang="en-US" smtClean="0"/>
-              <a:t>2023-08-21</a:t>
+              <a:t>2023-09-04</a:t>
             </a:fld>
             <a:endParaRPr lang="ko-KR" altLang="en-US"/>
           </a:p>
@@ -1265,7 +1265,7 @@
           <a:p>
             <a:fld id="{DEA6EBF0-8E22-42A7-9BEA-2AC7066E6498}" type="datetimeFigureOut">
               <a:rPr lang="ko-KR" altLang="en-US" smtClean="0"/>
-              <a:t>2023-08-21</a:t>
+              <a:t>2023-09-04</a:t>
             </a:fld>
             <a:endParaRPr lang="ko-KR" altLang="en-US"/>
           </a:p>
@@ -1753,7 +1753,7 @@
           <a:p>
             <a:fld id="{DEA6EBF0-8E22-42A7-9BEA-2AC7066E6498}" type="datetimeFigureOut">
               <a:rPr lang="ko-KR" altLang="en-US" smtClean="0"/>
-              <a:t>2023-08-21</a:t>
+              <a:t>2023-09-04</a:t>
             </a:fld>
             <a:endParaRPr lang="ko-KR" altLang="en-US"/>
           </a:p>
@@ -2122,7 +2122,7 @@
           <a:p>
             <a:fld id="{DEA6EBF0-8E22-42A7-9BEA-2AC7066E6498}" type="datetimeFigureOut">
               <a:rPr lang="ko-KR" altLang="en-US" smtClean="0"/>
-              <a:t>2023-08-21</a:t>
+              <a:t>2023-09-04</a:t>
             </a:fld>
             <a:endParaRPr lang="ko-KR" altLang="en-US"/>
           </a:p>
@@ -2395,7 +2395,7 @@
           <a:p>
             <a:fld id="{DEA6EBF0-8E22-42A7-9BEA-2AC7066E6498}" type="datetimeFigureOut">
               <a:rPr lang="ko-KR" altLang="en-US" smtClean="0"/>
-              <a:t>2023-08-21</a:t>
+              <a:t>2023-09-04</a:t>
             </a:fld>
             <a:endParaRPr lang="ko-KR" altLang="en-US"/>
           </a:p>
@@ -2680,7 +2680,7 @@
           <a:p>
             <a:fld id="{DEA6EBF0-8E22-42A7-9BEA-2AC7066E6498}" type="datetimeFigureOut">
               <a:rPr lang="ko-KR" altLang="en-US" smtClean="0"/>
-              <a:t>2023-08-21</a:t>
+              <a:t>2023-09-04</a:t>
             </a:fld>
             <a:endParaRPr lang="ko-KR" altLang="en-US"/>
           </a:p>
@@ -2798,7 +2798,7 @@
           <a:p>
             <a:fld id="{DEA6EBF0-8E22-42A7-9BEA-2AC7066E6498}" type="datetimeFigureOut">
               <a:rPr lang="ko-KR" altLang="en-US" smtClean="0"/>
-              <a:t>2023-08-21</a:t>
+              <a:t>2023-09-04</a:t>
             </a:fld>
             <a:endParaRPr lang="ko-KR" altLang="en-US"/>
           </a:p>
@@ -3081,7 +3081,7 @@
           <a:p>
             <a:fld id="{DEA6EBF0-8E22-42A7-9BEA-2AC7066E6498}" type="datetimeFigureOut">
               <a:rPr lang="ko-KR" altLang="en-US" smtClean="0"/>
-              <a:t>2023-08-21</a:t>
+              <a:t>2023-09-04</a:t>
             </a:fld>
             <a:endParaRPr lang="ko-KR" altLang="en-US"/>
           </a:p>
@@ -3424,7 +3424,7 @@
           <a:p>
             <a:fld id="{DEA6EBF0-8E22-42A7-9BEA-2AC7066E6498}" type="datetimeFigureOut">
               <a:rPr lang="ko-KR" altLang="en-US" smtClean="0"/>
-              <a:t>2023-08-21</a:t>
+              <a:t>2023-09-04</a:t>
             </a:fld>
             <a:endParaRPr lang="ko-KR" altLang="en-US"/>
           </a:p>
@@ -3763,7 +3763,7 @@
           <a:p>
             <a:fld id="{DEA6EBF0-8E22-42A7-9BEA-2AC7066E6498}" type="datetimeFigureOut">
               <a:rPr lang="ko-KR" altLang="en-US" smtClean="0"/>
-              <a:t>2023-08-21</a:t>
+              <a:t>2023-09-04</a:t>
             </a:fld>
             <a:endParaRPr lang="ko-KR" altLang="en-US"/>
           </a:p>
@@ -4240,7 +4240,7 @@
           <a:p>
             <a:fld id="{DEA6EBF0-8E22-42A7-9BEA-2AC7066E6498}" type="datetimeFigureOut">
               <a:rPr lang="ko-KR" altLang="en-US" smtClean="0"/>
-              <a:t>2023-08-21</a:t>
+              <a:t>2023-09-04</a:t>
             </a:fld>
             <a:endParaRPr lang="ko-KR" altLang="en-US"/>
           </a:p>
@@ -4335,7 +4335,7 @@
           <a:p>
             <a:fld id="{DEA6EBF0-8E22-42A7-9BEA-2AC7066E6498}" type="datetimeFigureOut">
               <a:rPr lang="ko-KR" altLang="en-US" smtClean="0"/>
-              <a:t>2023-08-21</a:t>
+              <a:t>2023-09-04</a:t>
             </a:fld>
             <a:endParaRPr lang="ko-KR" altLang="en-US"/>
           </a:p>
@@ -4802,7 +4802,7 @@
           <a:p>
             <a:fld id="{DEA6EBF0-8E22-42A7-9BEA-2AC7066E6498}" type="datetimeFigureOut">
               <a:rPr lang="ko-KR" altLang="en-US" smtClean="0"/>
-              <a:t>2023-08-21</a:t>
+              <a:t>2023-09-04</a:t>
             </a:fld>
             <a:endParaRPr lang="ko-KR" altLang="en-US"/>
           </a:p>
@@ -5115,7 +5115,7 @@
           <a:p>
             <a:fld id="{DEA6EBF0-8E22-42A7-9BEA-2AC7066E6498}" type="datetimeFigureOut">
               <a:rPr lang="ko-KR" altLang="en-US" smtClean="0"/>
-              <a:t>2023-08-21</a:t>
+              <a:t>2023-09-04</a:t>
             </a:fld>
             <a:endParaRPr lang="ko-KR" altLang="en-US"/>
           </a:p>
@@ -5385,7 +5385,7 @@
           <a:p>
             <a:fld id="{DEA6EBF0-8E22-42A7-9BEA-2AC7066E6498}" type="datetimeFigureOut">
               <a:rPr lang="ko-KR" altLang="en-US" smtClean="0"/>
-              <a:t>2023-08-21</a:t>
+              <a:t>2023-09-04</a:t>
             </a:fld>
             <a:endParaRPr lang="ko-KR" altLang="en-US"/>
           </a:p>
@@ -6144,7 +6144,7 @@
               <a:rPr lang="en-US" altLang="ko-KR" sz="1400" dirty="0">
                 <a:ea typeface="현대하모니 M" panose="02020603020101020101"/>
               </a:rPr>
-              <a:t>ON</a:t>
+              <a:t>MOVE</a:t>
             </a:r>
           </a:p>
           <a:p>
@@ -6227,7 +6227,7 @@
               <a:rPr lang="en-US" altLang="ko-KR" sz="1400" dirty="0">
                 <a:ea typeface="현대하모니 M" panose="02020603020101020101"/>
               </a:rPr>
-              <a:t>OFF</a:t>
+              <a:t>REMOVE</a:t>
             </a:r>
           </a:p>
           <a:p>
@@ -6377,6 +6377,7 @@
             </a:extLst>
           </p:cNvPr>
           <p:cNvCxnSpPr>
+            <a:cxnSpLocks/>
             <a:stCxn id="5" idx="3"/>
             <a:endCxn id="57" idx="1"/>
           </p:cNvCxnSpPr>
@@ -6575,6 +6576,7 @@
             </a:extLst>
           </p:cNvPr>
           <p:cNvCxnSpPr>
+            <a:cxnSpLocks/>
             <a:stCxn id="5" idx="3"/>
             <a:endCxn id="68" idx="0"/>
           </p:cNvCxnSpPr>

--- a/DsDotNet/src/UnitTest/UnitTest.Model/ImportOfficeExample/Sample/Lib/Part/Sensor.pptx
+++ b/DsDotNet/src/UnitTest/UnitTest.Model/ImportOfficeExample/Sample/Lib/Part/Sensor.pptx
@@ -216,7 +216,7 @@
           <a:p>
             <a:fld id="{DD503887-5801-43A0-AEF9-041E8DDC2558}" type="datetimeFigureOut">
               <a:rPr lang="ko-KR" altLang="en-US" smtClean="0"/>
-              <a:t>2023-09-04</a:t>
+              <a:t>2023-09-15</a:t>
             </a:fld>
             <a:endParaRPr lang="ko-KR" altLang="en-US"/>
           </a:p>
@@ -393,7 +393,7 @@
           <a:p>
             <a:fld id="{95336A0E-57B1-4D4C-BD9B-2F72B5943464}" type="datetimeFigureOut">
               <a:rPr lang="ko-KR" altLang="en-US" smtClean="0"/>
-              <a:t>2023-09-04</a:t>
+              <a:t>2023-09-15</a:t>
             </a:fld>
             <a:endParaRPr lang="ko-KR" altLang="en-US"/>
           </a:p>
@@ -755,7 +755,7 @@
           <a:effectLst/>
           <a:extLst>
             <a:ext uri="{91240B29-F687-4f45-9708-019B960494DF}">
-              <a14:hiddenLine xmlns="" xmlns:a14="http://schemas.microsoft.com/office/drawing/2010/main" w="9525">
+              <a14:hiddenLine xmlns:a14="http://schemas.microsoft.com/office/drawing/2010/main" xmlns="" w="9525">
                 <a:solidFill>
                   <a:srgbClr val="000000"/>
                 </a:solidFill>
@@ -947,7 +947,7 @@
           <a:p>
             <a:fld id="{DEA6EBF0-8E22-42A7-9BEA-2AC7066E6498}" type="datetimeFigureOut">
               <a:rPr lang="ko-KR" altLang="en-US" smtClean="0"/>
-              <a:t>2023-09-04</a:t>
+              <a:t>2023-09-15</a:t>
             </a:fld>
             <a:endParaRPr lang="ko-KR" altLang="en-US"/>
           </a:p>
@@ -1265,7 +1265,7 @@
           <a:p>
             <a:fld id="{DEA6EBF0-8E22-42A7-9BEA-2AC7066E6498}" type="datetimeFigureOut">
               <a:rPr lang="ko-KR" altLang="en-US" smtClean="0"/>
-              <a:t>2023-09-04</a:t>
+              <a:t>2023-09-15</a:t>
             </a:fld>
             <a:endParaRPr lang="ko-KR" altLang="en-US"/>
           </a:p>
@@ -1753,7 +1753,7 @@
           <a:p>
             <a:fld id="{DEA6EBF0-8E22-42A7-9BEA-2AC7066E6498}" type="datetimeFigureOut">
               <a:rPr lang="ko-KR" altLang="en-US" smtClean="0"/>
-              <a:t>2023-09-04</a:t>
+              <a:t>2023-09-15</a:t>
             </a:fld>
             <a:endParaRPr lang="ko-KR" altLang="en-US"/>
           </a:p>
@@ -2122,7 +2122,7 @@
           <a:p>
             <a:fld id="{DEA6EBF0-8E22-42A7-9BEA-2AC7066E6498}" type="datetimeFigureOut">
               <a:rPr lang="ko-KR" altLang="en-US" smtClean="0"/>
-              <a:t>2023-09-04</a:t>
+              <a:t>2023-09-15</a:t>
             </a:fld>
             <a:endParaRPr lang="ko-KR" altLang="en-US"/>
           </a:p>
@@ -2277,7 +2277,7 @@
           <a:ln/>
           <a:extLst>
             <a:ext uri="{91240B29-F687-4f45-9708-019B960494DF}">
-              <a14:hiddenLine xmlns="" xmlns:a14="http://schemas.microsoft.com/office/drawing/2010/main" w="9525">
+              <a14:hiddenLine xmlns:a14="http://schemas.microsoft.com/office/drawing/2010/main" xmlns="" w="9525">
                 <a:solidFill>
                   <a:srgbClr val="000000"/>
                 </a:solidFill>
@@ -2395,7 +2395,7 @@
           <a:p>
             <a:fld id="{DEA6EBF0-8E22-42A7-9BEA-2AC7066E6498}" type="datetimeFigureOut">
               <a:rPr lang="ko-KR" altLang="en-US" smtClean="0"/>
-              <a:t>2023-09-04</a:t>
+              <a:t>2023-09-15</a:t>
             </a:fld>
             <a:endParaRPr lang="ko-KR" altLang="en-US"/>
           </a:p>
@@ -2552,7 +2552,7 @@
           <a:ln/>
           <a:extLst>
             <a:ext uri="{91240B29-F687-4f45-9708-019B960494DF}">
-              <a14:hiddenLine xmlns="" xmlns:a14="http://schemas.microsoft.com/office/drawing/2010/main" w="9525">
+              <a14:hiddenLine xmlns:a14="http://schemas.microsoft.com/office/drawing/2010/main" xmlns="" w="9525">
                 <a:solidFill>
                   <a:srgbClr val="000000"/>
                 </a:solidFill>
@@ -2680,7 +2680,7 @@
           <a:p>
             <a:fld id="{DEA6EBF0-8E22-42A7-9BEA-2AC7066E6498}" type="datetimeFigureOut">
               <a:rPr lang="ko-KR" altLang="en-US" smtClean="0"/>
-              <a:t>2023-09-04</a:t>
+              <a:t>2023-09-15</a:t>
             </a:fld>
             <a:endParaRPr lang="ko-KR" altLang="en-US"/>
           </a:p>
@@ -2798,7 +2798,7 @@
           <a:p>
             <a:fld id="{DEA6EBF0-8E22-42A7-9BEA-2AC7066E6498}" type="datetimeFigureOut">
               <a:rPr lang="ko-KR" altLang="en-US" smtClean="0"/>
-              <a:t>2023-09-04</a:t>
+              <a:t>2023-09-15</a:t>
             </a:fld>
             <a:endParaRPr lang="ko-KR" altLang="en-US"/>
           </a:p>
@@ -2953,7 +2953,7 @@
           <a:ln/>
           <a:extLst>
             <a:ext uri="{91240B29-F687-4f45-9708-019B960494DF}">
-              <a14:hiddenLine xmlns="" xmlns:a14="http://schemas.microsoft.com/office/drawing/2010/main" w="9525">
+              <a14:hiddenLine xmlns:a14="http://schemas.microsoft.com/office/drawing/2010/main" xmlns="" w="9525">
                 <a:solidFill>
                   <a:srgbClr val="000000"/>
                 </a:solidFill>
@@ -3081,7 +3081,7 @@
           <a:p>
             <a:fld id="{DEA6EBF0-8E22-42A7-9BEA-2AC7066E6498}" type="datetimeFigureOut">
               <a:rPr lang="ko-KR" altLang="en-US" smtClean="0"/>
-              <a:t>2023-09-04</a:t>
+              <a:t>2023-09-15</a:t>
             </a:fld>
             <a:endParaRPr lang="ko-KR" altLang="en-US"/>
           </a:p>
@@ -3424,7 +3424,7 @@
           <a:p>
             <a:fld id="{DEA6EBF0-8E22-42A7-9BEA-2AC7066E6498}" type="datetimeFigureOut">
               <a:rPr lang="ko-KR" altLang="en-US" smtClean="0"/>
-              <a:t>2023-09-04</a:t>
+              <a:t>2023-09-15</a:t>
             </a:fld>
             <a:endParaRPr lang="ko-KR" altLang="en-US"/>
           </a:p>
@@ -3579,7 +3579,7 @@
           <a:ln/>
           <a:extLst>
             <a:ext uri="{91240B29-F687-4f45-9708-019B960494DF}">
-              <a14:hiddenLine xmlns="" xmlns:a14="http://schemas.microsoft.com/office/drawing/2010/main" w="9525">
+              <a14:hiddenLine xmlns:a14="http://schemas.microsoft.com/office/drawing/2010/main" xmlns="" w="9525">
                 <a:solidFill>
                   <a:srgbClr val="000000"/>
                 </a:solidFill>
@@ -3763,7 +3763,7 @@
           <a:p>
             <a:fld id="{DEA6EBF0-8E22-42A7-9BEA-2AC7066E6498}" type="datetimeFigureOut">
               <a:rPr lang="ko-KR" altLang="en-US" smtClean="0"/>
-              <a:t>2023-09-04</a:t>
+              <a:t>2023-09-15</a:t>
             </a:fld>
             <a:endParaRPr lang="ko-KR" altLang="en-US"/>
           </a:p>
@@ -3918,7 +3918,7 @@
           <a:ln/>
           <a:extLst>
             <a:ext uri="{91240B29-F687-4f45-9708-019B960494DF}">
-              <a14:hiddenLine xmlns="" xmlns:a14="http://schemas.microsoft.com/office/drawing/2010/main" w="9525">
+              <a14:hiddenLine xmlns:a14="http://schemas.microsoft.com/office/drawing/2010/main" xmlns="" w="9525">
                 <a:solidFill>
                   <a:srgbClr val="000000"/>
                 </a:solidFill>
@@ -4240,7 +4240,7 @@
           <a:p>
             <a:fld id="{DEA6EBF0-8E22-42A7-9BEA-2AC7066E6498}" type="datetimeFigureOut">
               <a:rPr lang="ko-KR" altLang="en-US" smtClean="0"/>
-              <a:t>2023-09-04</a:t>
+              <a:t>2023-09-15</a:t>
             </a:fld>
             <a:endParaRPr lang="ko-KR" altLang="en-US"/>
           </a:p>
@@ -4335,7 +4335,7 @@
           <a:p>
             <a:fld id="{DEA6EBF0-8E22-42A7-9BEA-2AC7066E6498}" type="datetimeFigureOut">
               <a:rPr lang="ko-KR" altLang="en-US" smtClean="0"/>
-              <a:t>2023-09-04</a:t>
+              <a:t>2023-09-15</a:t>
             </a:fld>
             <a:endParaRPr lang="ko-KR" altLang="en-US"/>
           </a:p>
@@ -4603,7 +4603,7 @@
           <a:ln/>
           <a:extLst>
             <a:ext uri="{91240B29-F687-4f45-9708-019B960494DF}">
-              <a14:hiddenLine xmlns="" xmlns:a14="http://schemas.microsoft.com/office/drawing/2010/main" w="9525">
+              <a14:hiddenLine xmlns:a14="http://schemas.microsoft.com/office/drawing/2010/main" xmlns="" w="9525">
                 <a:solidFill>
                   <a:srgbClr val="000000"/>
                 </a:solidFill>
@@ -4802,7 +4802,7 @@
           <a:p>
             <a:fld id="{DEA6EBF0-8E22-42A7-9BEA-2AC7066E6498}" type="datetimeFigureOut">
               <a:rPr lang="ko-KR" altLang="en-US" smtClean="0"/>
-              <a:t>2023-09-04</a:t>
+              <a:t>2023-09-15</a:t>
             </a:fld>
             <a:endParaRPr lang="ko-KR" altLang="en-US"/>
           </a:p>
@@ -5115,7 +5115,7 @@
           <a:p>
             <a:fld id="{DEA6EBF0-8E22-42A7-9BEA-2AC7066E6498}" type="datetimeFigureOut">
               <a:rPr lang="ko-KR" altLang="en-US" smtClean="0"/>
-              <a:t>2023-09-04</a:t>
+              <a:t>2023-09-15</a:t>
             </a:fld>
             <a:endParaRPr lang="ko-KR" altLang="en-US"/>
           </a:p>
@@ -5385,7 +5385,7 @@
           <a:p>
             <a:fld id="{DEA6EBF0-8E22-42A7-9BEA-2AC7066E6498}" type="datetimeFigureOut">
               <a:rPr lang="ko-KR" altLang="en-US" smtClean="0"/>
-              <a:t>2023-09-04</a:t>
+              <a:t>2023-09-15</a:t>
             </a:fld>
             <a:endParaRPr lang="ko-KR" altLang="en-US"/>
           </a:p>
@@ -6011,15 +6011,8 @@
           <a:p>
             <a:pPr algn="ctr"/>
             <a:r>
-              <a:rPr lang="en-US" altLang="ko-KR" sz="1200" dirty="0"/>
-              <a:t>Part</a:t>
-            </a:r>
-          </a:p>
-          <a:p>
-            <a:pPr algn="ctr"/>
-            <a:r>
-              <a:rPr lang="en-US" altLang="ko-KR" sz="1200" dirty="0"/>
-              <a:t>ADV</a:t>
+              <a:rPr lang="en-US" altLang="ko-KR" sz="1200" dirty="0" err="1"/>
+              <a:t>PartON</a:t>
             </a:r>
             <a:endParaRPr lang="ko-KR" altLang="en-US" sz="1200" dirty="0"/>
           </a:p>
@@ -6074,15 +6067,10 @@
           <a:p>
             <a:pPr algn="ctr"/>
             <a:r>
-              <a:rPr lang="en-US" altLang="ko-KR" sz="1200" dirty="0"/>
-              <a:t>Part</a:t>
-            </a:r>
-          </a:p>
-          <a:p>
-            <a:pPr algn="ctr"/>
-            <a:r>
-              <a:rPr lang="en-US" altLang="ko-KR" sz="1200" dirty="0"/>
-              <a:t>RET</a:t>
+              <a:rPr lang="en-US" altLang="ko-KR" sz="1200" dirty="0" err="1">
+                <a:ea typeface="현대하모니 M" panose="02020603020101020101"/>
+              </a:rPr>
+              <a:t>PartOFF</a:t>
             </a:r>
             <a:endParaRPr lang="ko-KR" altLang="en-US" sz="1200" dirty="0"/>
           </a:p>
@@ -6144,7 +6132,7 @@
               <a:rPr lang="en-US" altLang="ko-KR" sz="1400" dirty="0">
                 <a:ea typeface="현대하모니 M" panose="02020603020101020101"/>
               </a:rPr>
-              <a:t>MOVE</a:t>
+              <a:t>ON</a:t>
             </a:r>
           </a:p>
           <a:p>
@@ -6157,7 +6145,11 @@
             </a:r>
             <a:r>
               <a:rPr lang="en-US" altLang="ko-KR" sz="1400" dirty="0"/>
-              <a:t>PositionADV ~ PartADV</a:t>
+              <a:t>~ </a:t>
+            </a:r>
+            <a:r>
+              <a:rPr lang="en-US" altLang="ko-KR" sz="1400" dirty="0" err="1"/>
+              <a:t>PartON</a:t>
             </a:r>
             <a:r>
               <a:rPr lang="en-US" altLang="ko-KR" sz="1400" dirty="0">
@@ -6227,7 +6219,7 @@
               <a:rPr lang="en-US" altLang="ko-KR" sz="1400" dirty="0">
                 <a:ea typeface="현대하모니 M" panose="02020603020101020101"/>
               </a:rPr>
-              <a:t>REMOVE</a:t>
+              <a:t>OFF</a:t>
             </a:r>
           </a:p>
           <a:p>
@@ -6239,8 +6231,20 @@
               <a:t>[</a:t>
             </a:r>
             <a:r>
+              <a:rPr lang="en-US" altLang="ko-KR" sz="1400" dirty="0" err="1">
+                <a:ea typeface="현대하모니 M" panose="02020603020101020101"/>
+              </a:rPr>
+              <a:t>PartOFF</a:t>
+            </a:r>
+            <a:r>
+              <a:rPr lang="en-US" altLang="ko-KR" sz="1400" dirty="0">
+                <a:ea typeface="현대하모니 M" panose="02020603020101020101"/>
+              </a:rPr>
+              <a:t> </a:t>
+            </a:r>
+            <a:r>
               <a:rPr lang="en-US" altLang="ko-KR" sz="1400" dirty="0"/>
-              <a:t>PositionRET ~ PartRET</a:t>
+              <a:t>~</a:t>
             </a:r>
             <a:r>
               <a:rPr lang="en-US" altLang="ko-KR" sz="1400" dirty="0">

--- a/DsDotNet/src/UnitTest/UnitTest.Model/ImportOfficeExample/Sample/Lib/Part/Sensor.pptx
+++ b/DsDotNet/src/UnitTest/UnitTest.Model/ImportOfficeExample/Sample/Lib/Part/Sensor.pptx
@@ -216,7 +216,7 @@
           <a:p>
             <a:fld id="{DD503887-5801-43A0-AEF9-041E8DDC2558}" type="datetimeFigureOut">
               <a:rPr lang="ko-KR" altLang="en-US" smtClean="0"/>
-              <a:t>2023-09-15</a:t>
+              <a:t>2023-09-29</a:t>
             </a:fld>
             <a:endParaRPr lang="ko-KR" altLang="en-US"/>
           </a:p>
@@ -393,7 +393,7 @@
           <a:p>
             <a:fld id="{95336A0E-57B1-4D4C-BD9B-2F72B5943464}" type="datetimeFigureOut">
               <a:rPr lang="ko-KR" altLang="en-US" smtClean="0"/>
-              <a:t>2023-09-15</a:t>
+              <a:t>2023-09-29</a:t>
             </a:fld>
             <a:endParaRPr lang="ko-KR" altLang="en-US"/>
           </a:p>
@@ -755,7 +755,7 @@
           <a:effectLst/>
           <a:extLst>
             <a:ext uri="{91240B29-F687-4f45-9708-019B960494DF}">
-              <a14:hiddenLine xmlns:a14="http://schemas.microsoft.com/office/drawing/2010/main" xmlns="" w="9525">
+              <a14:hiddenLine xmlns="" xmlns:a14="http://schemas.microsoft.com/office/drawing/2010/main" w="9525">
                 <a:solidFill>
                   <a:srgbClr val="000000"/>
                 </a:solidFill>
@@ -947,7 +947,7 @@
           <a:p>
             <a:fld id="{DEA6EBF0-8E22-42A7-9BEA-2AC7066E6498}" type="datetimeFigureOut">
               <a:rPr lang="ko-KR" altLang="en-US" smtClean="0"/>
-              <a:t>2023-09-15</a:t>
+              <a:t>2023-09-29</a:t>
             </a:fld>
             <a:endParaRPr lang="ko-KR" altLang="en-US"/>
           </a:p>
@@ -1265,7 +1265,7 @@
           <a:p>
             <a:fld id="{DEA6EBF0-8E22-42A7-9BEA-2AC7066E6498}" type="datetimeFigureOut">
               <a:rPr lang="ko-KR" altLang="en-US" smtClean="0"/>
-              <a:t>2023-09-15</a:t>
+              <a:t>2023-09-29</a:t>
             </a:fld>
             <a:endParaRPr lang="ko-KR" altLang="en-US"/>
           </a:p>
@@ -1753,7 +1753,7 @@
           <a:p>
             <a:fld id="{DEA6EBF0-8E22-42A7-9BEA-2AC7066E6498}" type="datetimeFigureOut">
               <a:rPr lang="ko-KR" altLang="en-US" smtClean="0"/>
-              <a:t>2023-09-15</a:t>
+              <a:t>2023-09-29</a:t>
             </a:fld>
             <a:endParaRPr lang="ko-KR" altLang="en-US"/>
           </a:p>
@@ -2122,7 +2122,7 @@
           <a:p>
             <a:fld id="{DEA6EBF0-8E22-42A7-9BEA-2AC7066E6498}" type="datetimeFigureOut">
               <a:rPr lang="ko-KR" altLang="en-US" smtClean="0"/>
-              <a:t>2023-09-15</a:t>
+              <a:t>2023-09-29</a:t>
             </a:fld>
             <a:endParaRPr lang="ko-KR" altLang="en-US"/>
           </a:p>
@@ -2277,7 +2277,7 @@
           <a:ln/>
           <a:extLst>
             <a:ext uri="{91240B29-F687-4f45-9708-019B960494DF}">
-              <a14:hiddenLine xmlns:a14="http://schemas.microsoft.com/office/drawing/2010/main" xmlns="" w="9525">
+              <a14:hiddenLine xmlns="" xmlns:a14="http://schemas.microsoft.com/office/drawing/2010/main" w="9525">
                 <a:solidFill>
                   <a:srgbClr val="000000"/>
                 </a:solidFill>
@@ -2395,7 +2395,7 @@
           <a:p>
             <a:fld id="{DEA6EBF0-8E22-42A7-9BEA-2AC7066E6498}" type="datetimeFigureOut">
               <a:rPr lang="ko-KR" altLang="en-US" smtClean="0"/>
-              <a:t>2023-09-15</a:t>
+              <a:t>2023-09-29</a:t>
             </a:fld>
             <a:endParaRPr lang="ko-KR" altLang="en-US"/>
           </a:p>
@@ -2552,7 +2552,7 @@
           <a:ln/>
           <a:extLst>
             <a:ext uri="{91240B29-F687-4f45-9708-019B960494DF}">
-              <a14:hiddenLine xmlns:a14="http://schemas.microsoft.com/office/drawing/2010/main" xmlns="" w="9525">
+              <a14:hiddenLine xmlns="" xmlns:a14="http://schemas.microsoft.com/office/drawing/2010/main" w="9525">
                 <a:solidFill>
                   <a:srgbClr val="000000"/>
                 </a:solidFill>
@@ -2680,7 +2680,7 @@
           <a:p>
             <a:fld id="{DEA6EBF0-8E22-42A7-9BEA-2AC7066E6498}" type="datetimeFigureOut">
               <a:rPr lang="ko-KR" altLang="en-US" smtClean="0"/>
-              <a:t>2023-09-15</a:t>
+              <a:t>2023-09-29</a:t>
             </a:fld>
             <a:endParaRPr lang="ko-KR" altLang="en-US"/>
           </a:p>
@@ -2798,7 +2798,7 @@
           <a:p>
             <a:fld id="{DEA6EBF0-8E22-42A7-9BEA-2AC7066E6498}" type="datetimeFigureOut">
               <a:rPr lang="ko-KR" altLang="en-US" smtClean="0"/>
-              <a:t>2023-09-15</a:t>
+              <a:t>2023-09-29</a:t>
             </a:fld>
             <a:endParaRPr lang="ko-KR" altLang="en-US"/>
           </a:p>
@@ -2953,7 +2953,7 @@
           <a:ln/>
           <a:extLst>
             <a:ext uri="{91240B29-F687-4f45-9708-019B960494DF}">
-              <a14:hiddenLine xmlns:a14="http://schemas.microsoft.com/office/drawing/2010/main" xmlns="" w="9525">
+              <a14:hiddenLine xmlns="" xmlns:a14="http://schemas.microsoft.com/office/drawing/2010/main" w="9525">
                 <a:solidFill>
                   <a:srgbClr val="000000"/>
                 </a:solidFill>
@@ -3081,7 +3081,7 @@
           <a:p>
             <a:fld id="{DEA6EBF0-8E22-42A7-9BEA-2AC7066E6498}" type="datetimeFigureOut">
               <a:rPr lang="ko-KR" altLang="en-US" smtClean="0"/>
-              <a:t>2023-09-15</a:t>
+              <a:t>2023-09-29</a:t>
             </a:fld>
             <a:endParaRPr lang="ko-KR" altLang="en-US"/>
           </a:p>
@@ -3424,7 +3424,7 @@
           <a:p>
             <a:fld id="{DEA6EBF0-8E22-42A7-9BEA-2AC7066E6498}" type="datetimeFigureOut">
               <a:rPr lang="ko-KR" altLang="en-US" smtClean="0"/>
-              <a:t>2023-09-15</a:t>
+              <a:t>2023-09-29</a:t>
             </a:fld>
             <a:endParaRPr lang="ko-KR" altLang="en-US"/>
           </a:p>
@@ -3579,7 +3579,7 @@
           <a:ln/>
           <a:extLst>
             <a:ext uri="{91240B29-F687-4f45-9708-019B960494DF}">
-              <a14:hiddenLine xmlns:a14="http://schemas.microsoft.com/office/drawing/2010/main" xmlns="" w="9525">
+              <a14:hiddenLine xmlns="" xmlns:a14="http://schemas.microsoft.com/office/drawing/2010/main" w="9525">
                 <a:solidFill>
                   <a:srgbClr val="000000"/>
                 </a:solidFill>
@@ -3763,7 +3763,7 @@
           <a:p>
             <a:fld id="{DEA6EBF0-8E22-42A7-9BEA-2AC7066E6498}" type="datetimeFigureOut">
               <a:rPr lang="ko-KR" altLang="en-US" smtClean="0"/>
-              <a:t>2023-09-15</a:t>
+              <a:t>2023-09-29</a:t>
             </a:fld>
             <a:endParaRPr lang="ko-KR" altLang="en-US"/>
           </a:p>
@@ -3918,7 +3918,7 @@
           <a:ln/>
           <a:extLst>
             <a:ext uri="{91240B29-F687-4f45-9708-019B960494DF}">
-              <a14:hiddenLine xmlns:a14="http://schemas.microsoft.com/office/drawing/2010/main" xmlns="" w="9525">
+              <a14:hiddenLine xmlns="" xmlns:a14="http://schemas.microsoft.com/office/drawing/2010/main" w="9525">
                 <a:solidFill>
                   <a:srgbClr val="000000"/>
                 </a:solidFill>
@@ -4240,7 +4240,7 @@
           <a:p>
             <a:fld id="{DEA6EBF0-8E22-42A7-9BEA-2AC7066E6498}" type="datetimeFigureOut">
               <a:rPr lang="ko-KR" altLang="en-US" smtClean="0"/>
-              <a:t>2023-09-15</a:t>
+              <a:t>2023-09-29</a:t>
             </a:fld>
             <a:endParaRPr lang="ko-KR" altLang="en-US"/>
           </a:p>
@@ -4335,7 +4335,7 @@
           <a:p>
             <a:fld id="{DEA6EBF0-8E22-42A7-9BEA-2AC7066E6498}" type="datetimeFigureOut">
               <a:rPr lang="ko-KR" altLang="en-US" smtClean="0"/>
-              <a:t>2023-09-15</a:t>
+              <a:t>2023-09-29</a:t>
             </a:fld>
             <a:endParaRPr lang="ko-KR" altLang="en-US"/>
           </a:p>
@@ -4603,7 +4603,7 @@
           <a:ln/>
           <a:extLst>
             <a:ext uri="{91240B29-F687-4f45-9708-019B960494DF}">
-              <a14:hiddenLine xmlns:a14="http://schemas.microsoft.com/office/drawing/2010/main" xmlns="" w="9525">
+              <a14:hiddenLine xmlns="" xmlns:a14="http://schemas.microsoft.com/office/drawing/2010/main" w="9525">
                 <a:solidFill>
                   <a:srgbClr val="000000"/>
                 </a:solidFill>
@@ -4802,7 +4802,7 @@
           <a:p>
             <a:fld id="{DEA6EBF0-8E22-42A7-9BEA-2AC7066E6498}" type="datetimeFigureOut">
               <a:rPr lang="ko-KR" altLang="en-US" smtClean="0"/>
-              <a:t>2023-09-15</a:t>
+              <a:t>2023-09-29</a:t>
             </a:fld>
             <a:endParaRPr lang="ko-KR" altLang="en-US"/>
           </a:p>
@@ -5115,7 +5115,7 @@
           <a:p>
             <a:fld id="{DEA6EBF0-8E22-42A7-9BEA-2AC7066E6498}" type="datetimeFigureOut">
               <a:rPr lang="ko-KR" altLang="en-US" smtClean="0"/>
-              <a:t>2023-09-15</a:t>
+              <a:t>2023-09-29</a:t>
             </a:fld>
             <a:endParaRPr lang="ko-KR" altLang="en-US"/>
           </a:p>
@@ -5385,7 +5385,7 @@
           <a:p>
             <a:fld id="{DEA6EBF0-8E22-42A7-9BEA-2AC7066E6498}" type="datetimeFigureOut">
               <a:rPr lang="ko-KR" altLang="en-US" smtClean="0"/>
-              <a:t>2023-09-15</a:t>
+              <a:t>2023-09-29</a:t>
             </a:fld>
             <a:endParaRPr lang="ko-KR" altLang="en-US"/>
           </a:p>
@@ -6132,7 +6132,7 @@
               <a:rPr lang="en-US" altLang="ko-KR" sz="1400" dirty="0">
                 <a:ea typeface="현대하모니 M" panose="02020603020101020101"/>
               </a:rPr>
-              <a:t>ON</a:t>
+              <a:t>MOVE</a:t>
             </a:r>
           </a:p>
           <a:p>
@@ -6219,7 +6219,7 @@
               <a:rPr lang="en-US" altLang="ko-KR" sz="1400" dirty="0">
                 <a:ea typeface="현대하모니 M" panose="02020603020101020101"/>
               </a:rPr>
-              <a:t>OFF</a:t>
+              <a:t>REMOVE</a:t>
             </a:r>
           </a:p>
           <a:p>

--- a/DsDotNet/src/UnitTest/UnitTest.Model/ImportOfficeExample/Sample/Lib/Part/Sensor.pptx
+++ b/DsDotNet/src/UnitTest/UnitTest.Model/ImportOfficeExample/Sample/Lib/Part/Sensor.pptx
@@ -216,7 +216,7 @@
           <a:p>
             <a:fld id="{DD503887-5801-43A0-AEF9-041E8DDC2558}" type="datetimeFigureOut">
               <a:rPr lang="ko-KR" altLang="en-US" smtClean="0"/>
-              <a:t>2023-09-29</a:t>
+              <a:t>2023-10-04</a:t>
             </a:fld>
             <a:endParaRPr lang="ko-KR" altLang="en-US"/>
           </a:p>
@@ -393,7 +393,7 @@
           <a:p>
             <a:fld id="{95336A0E-57B1-4D4C-BD9B-2F72B5943464}" type="datetimeFigureOut">
               <a:rPr lang="ko-KR" altLang="en-US" smtClean="0"/>
-              <a:t>2023-09-29</a:t>
+              <a:t>2023-10-04</a:t>
             </a:fld>
             <a:endParaRPr lang="ko-KR" altLang="en-US"/>
           </a:p>
@@ -755,7 +755,7 @@
           <a:effectLst/>
           <a:extLst>
             <a:ext uri="{91240B29-F687-4f45-9708-019B960494DF}">
-              <a14:hiddenLine xmlns="" xmlns:a14="http://schemas.microsoft.com/office/drawing/2010/main" w="9525">
+              <a14:hiddenLine xmlns:a14="http://schemas.microsoft.com/office/drawing/2010/main" xmlns="" w="9525">
                 <a:solidFill>
                   <a:srgbClr val="000000"/>
                 </a:solidFill>
@@ -947,7 +947,7 @@
           <a:p>
             <a:fld id="{DEA6EBF0-8E22-42A7-9BEA-2AC7066E6498}" type="datetimeFigureOut">
               <a:rPr lang="ko-KR" altLang="en-US" smtClean="0"/>
-              <a:t>2023-09-29</a:t>
+              <a:t>2023-10-04</a:t>
             </a:fld>
             <a:endParaRPr lang="ko-KR" altLang="en-US"/>
           </a:p>
@@ -1265,7 +1265,7 @@
           <a:p>
             <a:fld id="{DEA6EBF0-8E22-42A7-9BEA-2AC7066E6498}" type="datetimeFigureOut">
               <a:rPr lang="ko-KR" altLang="en-US" smtClean="0"/>
-              <a:t>2023-09-29</a:t>
+              <a:t>2023-10-04</a:t>
             </a:fld>
             <a:endParaRPr lang="ko-KR" altLang="en-US"/>
           </a:p>
@@ -1753,7 +1753,7 @@
           <a:p>
             <a:fld id="{DEA6EBF0-8E22-42A7-9BEA-2AC7066E6498}" type="datetimeFigureOut">
               <a:rPr lang="ko-KR" altLang="en-US" smtClean="0"/>
-              <a:t>2023-09-29</a:t>
+              <a:t>2023-10-04</a:t>
             </a:fld>
             <a:endParaRPr lang="ko-KR" altLang="en-US"/>
           </a:p>
@@ -2122,7 +2122,7 @@
           <a:p>
             <a:fld id="{DEA6EBF0-8E22-42A7-9BEA-2AC7066E6498}" type="datetimeFigureOut">
               <a:rPr lang="ko-KR" altLang="en-US" smtClean="0"/>
-              <a:t>2023-09-29</a:t>
+              <a:t>2023-10-04</a:t>
             </a:fld>
             <a:endParaRPr lang="ko-KR" altLang="en-US"/>
           </a:p>
@@ -2277,7 +2277,7 @@
           <a:ln/>
           <a:extLst>
             <a:ext uri="{91240B29-F687-4f45-9708-019B960494DF}">
-              <a14:hiddenLine xmlns="" xmlns:a14="http://schemas.microsoft.com/office/drawing/2010/main" w="9525">
+              <a14:hiddenLine xmlns:a14="http://schemas.microsoft.com/office/drawing/2010/main" xmlns="" w="9525">
                 <a:solidFill>
                   <a:srgbClr val="000000"/>
                 </a:solidFill>
@@ -2395,7 +2395,7 @@
           <a:p>
             <a:fld id="{DEA6EBF0-8E22-42A7-9BEA-2AC7066E6498}" type="datetimeFigureOut">
               <a:rPr lang="ko-KR" altLang="en-US" smtClean="0"/>
-              <a:t>2023-09-29</a:t>
+              <a:t>2023-10-04</a:t>
             </a:fld>
             <a:endParaRPr lang="ko-KR" altLang="en-US"/>
           </a:p>
@@ -2552,7 +2552,7 @@
           <a:ln/>
           <a:extLst>
             <a:ext uri="{91240B29-F687-4f45-9708-019B960494DF}">
-              <a14:hiddenLine xmlns="" xmlns:a14="http://schemas.microsoft.com/office/drawing/2010/main" w="9525">
+              <a14:hiddenLine xmlns:a14="http://schemas.microsoft.com/office/drawing/2010/main" xmlns="" w="9525">
                 <a:solidFill>
                   <a:srgbClr val="000000"/>
                 </a:solidFill>
@@ -2680,7 +2680,7 @@
           <a:p>
             <a:fld id="{DEA6EBF0-8E22-42A7-9BEA-2AC7066E6498}" type="datetimeFigureOut">
               <a:rPr lang="ko-KR" altLang="en-US" smtClean="0"/>
-              <a:t>2023-09-29</a:t>
+              <a:t>2023-10-04</a:t>
             </a:fld>
             <a:endParaRPr lang="ko-KR" altLang="en-US"/>
           </a:p>
@@ -2798,7 +2798,7 @@
           <a:p>
             <a:fld id="{DEA6EBF0-8E22-42A7-9BEA-2AC7066E6498}" type="datetimeFigureOut">
               <a:rPr lang="ko-KR" altLang="en-US" smtClean="0"/>
-              <a:t>2023-09-29</a:t>
+              <a:t>2023-10-04</a:t>
             </a:fld>
             <a:endParaRPr lang="ko-KR" altLang="en-US"/>
           </a:p>
@@ -2953,7 +2953,7 @@
           <a:ln/>
           <a:extLst>
             <a:ext uri="{91240B29-F687-4f45-9708-019B960494DF}">
-              <a14:hiddenLine xmlns="" xmlns:a14="http://schemas.microsoft.com/office/drawing/2010/main" w="9525">
+              <a14:hiddenLine xmlns:a14="http://schemas.microsoft.com/office/drawing/2010/main" xmlns="" w="9525">
                 <a:solidFill>
                   <a:srgbClr val="000000"/>
                 </a:solidFill>
@@ -3081,7 +3081,7 @@
           <a:p>
             <a:fld id="{DEA6EBF0-8E22-42A7-9BEA-2AC7066E6498}" type="datetimeFigureOut">
               <a:rPr lang="ko-KR" altLang="en-US" smtClean="0"/>
-              <a:t>2023-09-29</a:t>
+              <a:t>2023-10-04</a:t>
             </a:fld>
             <a:endParaRPr lang="ko-KR" altLang="en-US"/>
           </a:p>
@@ -3424,7 +3424,7 @@
           <a:p>
             <a:fld id="{DEA6EBF0-8E22-42A7-9BEA-2AC7066E6498}" type="datetimeFigureOut">
               <a:rPr lang="ko-KR" altLang="en-US" smtClean="0"/>
-              <a:t>2023-09-29</a:t>
+              <a:t>2023-10-04</a:t>
             </a:fld>
             <a:endParaRPr lang="ko-KR" altLang="en-US"/>
           </a:p>
@@ -3579,7 +3579,7 @@
           <a:ln/>
           <a:extLst>
             <a:ext uri="{91240B29-F687-4f45-9708-019B960494DF}">
-              <a14:hiddenLine xmlns="" xmlns:a14="http://schemas.microsoft.com/office/drawing/2010/main" w="9525">
+              <a14:hiddenLine xmlns:a14="http://schemas.microsoft.com/office/drawing/2010/main" xmlns="" w="9525">
                 <a:solidFill>
                   <a:srgbClr val="000000"/>
                 </a:solidFill>
@@ -3763,7 +3763,7 @@
           <a:p>
             <a:fld id="{DEA6EBF0-8E22-42A7-9BEA-2AC7066E6498}" type="datetimeFigureOut">
               <a:rPr lang="ko-KR" altLang="en-US" smtClean="0"/>
-              <a:t>2023-09-29</a:t>
+              <a:t>2023-10-04</a:t>
             </a:fld>
             <a:endParaRPr lang="ko-KR" altLang="en-US"/>
           </a:p>
@@ -3918,7 +3918,7 @@
           <a:ln/>
           <a:extLst>
             <a:ext uri="{91240B29-F687-4f45-9708-019B960494DF}">
-              <a14:hiddenLine xmlns="" xmlns:a14="http://schemas.microsoft.com/office/drawing/2010/main" w="9525">
+              <a14:hiddenLine xmlns:a14="http://schemas.microsoft.com/office/drawing/2010/main" xmlns="" w="9525">
                 <a:solidFill>
                   <a:srgbClr val="000000"/>
                 </a:solidFill>
@@ -4240,7 +4240,7 @@
           <a:p>
             <a:fld id="{DEA6EBF0-8E22-42A7-9BEA-2AC7066E6498}" type="datetimeFigureOut">
               <a:rPr lang="ko-KR" altLang="en-US" smtClean="0"/>
-              <a:t>2023-09-29</a:t>
+              <a:t>2023-10-04</a:t>
             </a:fld>
             <a:endParaRPr lang="ko-KR" altLang="en-US"/>
           </a:p>
@@ -4335,7 +4335,7 @@
           <a:p>
             <a:fld id="{DEA6EBF0-8E22-42A7-9BEA-2AC7066E6498}" type="datetimeFigureOut">
               <a:rPr lang="ko-KR" altLang="en-US" smtClean="0"/>
-              <a:t>2023-09-29</a:t>
+              <a:t>2023-10-04</a:t>
             </a:fld>
             <a:endParaRPr lang="ko-KR" altLang="en-US"/>
           </a:p>
@@ -4603,7 +4603,7 @@
           <a:ln/>
           <a:extLst>
             <a:ext uri="{91240B29-F687-4f45-9708-019B960494DF}">
-              <a14:hiddenLine xmlns="" xmlns:a14="http://schemas.microsoft.com/office/drawing/2010/main" w="9525">
+              <a14:hiddenLine xmlns:a14="http://schemas.microsoft.com/office/drawing/2010/main" xmlns="" w="9525">
                 <a:solidFill>
                   <a:srgbClr val="000000"/>
                 </a:solidFill>
@@ -4802,7 +4802,7 @@
           <a:p>
             <a:fld id="{DEA6EBF0-8E22-42A7-9BEA-2AC7066E6498}" type="datetimeFigureOut">
               <a:rPr lang="ko-KR" altLang="en-US" smtClean="0"/>
-              <a:t>2023-09-29</a:t>
+              <a:t>2023-10-04</a:t>
             </a:fld>
             <a:endParaRPr lang="ko-KR" altLang="en-US"/>
           </a:p>
@@ -5115,7 +5115,7 @@
           <a:p>
             <a:fld id="{DEA6EBF0-8E22-42A7-9BEA-2AC7066E6498}" type="datetimeFigureOut">
               <a:rPr lang="ko-KR" altLang="en-US" smtClean="0"/>
-              <a:t>2023-09-29</a:t>
+              <a:t>2023-10-04</a:t>
             </a:fld>
             <a:endParaRPr lang="ko-KR" altLang="en-US"/>
           </a:p>
@@ -5385,7 +5385,7 @@
           <a:p>
             <a:fld id="{DEA6EBF0-8E22-42A7-9BEA-2AC7066E6498}" type="datetimeFigureOut">
               <a:rPr lang="ko-KR" altLang="en-US" smtClean="0"/>
-              <a:t>2023-09-29</a:t>
+              <a:t>2023-10-04</a:t>
             </a:fld>
             <a:endParaRPr lang="ko-KR" altLang="en-US"/>
           </a:p>
@@ -5856,7 +5856,7 @@
           <a:lstStyle/>
           <a:p>
             <a:r>
-              <a:rPr lang="en-US" altLang="ko-KR" dirty="0"/>
+              <a:rPr lang="en-US" altLang="ko-KR"/>
               <a:t>Sensor</a:t>
             </a:r>
             <a:endParaRPr lang="ko-KR" altLang="en-US" dirty="0"/>

--- a/DsDotNet/src/UnitTest/UnitTest.Model/ImportOfficeExample/Sample/Lib/Part/Sensor.pptx
+++ b/DsDotNet/src/UnitTest/UnitTest.Model/ImportOfficeExample/Sample/Lib/Part/Sensor.pptx
@@ -216,7 +216,7 @@
           <a:p>
             <a:fld id="{DD503887-5801-43A0-AEF9-041E8DDC2558}" type="datetimeFigureOut">
               <a:rPr lang="ko-KR" altLang="en-US" smtClean="0"/>
-              <a:t>2023-10-04</a:t>
+              <a:t>2024-05-29</a:t>
             </a:fld>
             <a:endParaRPr lang="ko-KR" altLang="en-US"/>
           </a:p>
@@ -393,7 +393,7 @@
           <a:p>
             <a:fld id="{95336A0E-57B1-4D4C-BD9B-2F72B5943464}" type="datetimeFigureOut">
               <a:rPr lang="ko-KR" altLang="en-US" smtClean="0"/>
-              <a:t>2023-10-04</a:t>
+              <a:t>2024-05-29</a:t>
             </a:fld>
             <a:endParaRPr lang="ko-KR" altLang="en-US"/>
           </a:p>
@@ -755,7 +755,7 @@
           <a:effectLst/>
           <a:extLst>
             <a:ext uri="{91240B29-F687-4f45-9708-019B960494DF}">
-              <a14:hiddenLine xmlns:a14="http://schemas.microsoft.com/office/drawing/2010/main" xmlns="" w="9525">
+              <a14:hiddenLine xmlns="" xmlns:a14="http://schemas.microsoft.com/office/drawing/2010/main" w="9525">
                 <a:solidFill>
                   <a:srgbClr val="000000"/>
                 </a:solidFill>
@@ -947,7 +947,7 @@
           <a:p>
             <a:fld id="{DEA6EBF0-8E22-42A7-9BEA-2AC7066E6498}" type="datetimeFigureOut">
               <a:rPr lang="ko-KR" altLang="en-US" smtClean="0"/>
-              <a:t>2023-10-04</a:t>
+              <a:t>2024-05-29</a:t>
             </a:fld>
             <a:endParaRPr lang="ko-KR" altLang="en-US"/>
           </a:p>
@@ -1265,7 +1265,7 @@
           <a:p>
             <a:fld id="{DEA6EBF0-8E22-42A7-9BEA-2AC7066E6498}" type="datetimeFigureOut">
               <a:rPr lang="ko-KR" altLang="en-US" smtClean="0"/>
-              <a:t>2023-10-04</a:t>
+              <a:t>2024-05-29</a:t>
             </a:fld>
             <a:endParaRPr lang="ko-KR" altLang="en-US"/>
           </a:p>
@@ -1753,7 +1753,7 @@
           <a:p>
             <a:fld id="{DEA6EBF0-8E22-42A7-9BEA-2AC7066E6498}" type="datetimeFigureOut">
               <a:rPr lang="ko-KR" altLang="en-US" smtClean="0"/>
-              <a:t>2023-10-04</a:t>
+              <a:t>2024-05-29</a:t>
             </a:fld>
             <a:endParaRPr lang="ko-KR" altLang="en-US"/>
           </a:p>
@@ -2122,7 +2122,7 @@
           <a:p>
             <a:fld id="{DEA6EBF0-8E22-42A7-9BEA-2AC7066E6498}" type="datetimeFigureOut">
               <a:rPr lang="ko-KR" altLang="en-US" smtClean="0"/>
-              <a:t>2023-10-04</a:t>
+              <a:t>2024-05-29</a:t>
             </a:fld>
             <a:endParaRPr lang="ko-KR" altLang="en-US"/>
           </a:p>
@@ -2277,7 +2277,7 @@
           <a:ln/>
           <a:extLst>
             <a:ext uri="{91240B29-F687-4f45-9708-019B960494DF}">
-              <a14:hiddenLine xmlns:a14="http://schemas.microsoft.com/office/drawing/2010/main" xmlns="" w="9525">
+              <a14:hiddenLine xmlns="" xmlns:a14="http://schemas.microsoft.com/office/drawing/2010/main" w="9525">
                 <a:solidFill>
                   <a:srgbClr val="000000"/>
                 </a:solidFill>
@@ -2395,7 +2395,7 @@
           <a:p>
             <a:fld id="{DEA6EBF0-8E22-42A7-9BEA-2AC7066E6498}" type="datetimeFigureOut">
               <a:rPr lang="ko-KR" altLang="en-US" smtClean="0"/>
-              <a:t>2023-10-04</a:t>
+              <a:t>2024-05-29</a:t>
             </a:fld>
             <a:endParaRPr lang="ko-KR" altLang="en-US"/>
           </a:p>
@@ -2552,7 +2552,7 @@
           <a:ln/>
           <a:extLst>
             <a:ext uri="{91240B29-F687-4f45-9708-019B960494DF}">
-              <a14:hiddenLine xmlns:a14="http://schemas.microsoft.com/office/drawing/2010/main" xmlns="" w="9525">
+              <a14:hiddenLine xmlns="" xmlns:a14="http://schemas.microsoft.com/office/drawing/2010/main" w="9525">
                 <a:solidFill>
                   <a:srgbClr val="000000"/>
                 </a:solidFill>
@@ -2680,7 +2680,7 @@
           <a:p>
             <a:fld id="{DEA6EBF0-8E22-42A7-9BEA-2AC7066E6498}" type="datetimeFigureOut">
               <a:rPr lang="ko-KR" altLang="en-US" smtClean="0"/>
-              <a:t>2023-10-04</a:t>
+              <a:t>2024-05-29</a:t>
             </a:fld>
             <a:endParaRPr lang="ko-KR" altLang="en-US"/>
           </a:p>
@@ -2798,7 +2798,7 @@
           <a:p>
             <a:fld id="{DEA6EBF0-8E22-42A7-9BEA-2AC7066E6498}" type="datetimeFigureOut">
               <a:rPr lang="ko-KR" altLang="en-US" smtClean="0"/>
-              <a:t>2023-10-04</a:t>
+              <a:t>2024-05-29</a:t>
             </a:fld>
             <a:endParaRPr lang="ko-KR" altLang="en-US"/>
           </a:p>
@@ -2953,7 +2953,7 @@
           <a:ln/>
           <a:extLst>
             <a:ext uri="{91240B29-F687-4f45-9708-019B960494DF}">
-              <a14:hiddenLine xmlns:a14="http://schemas.microsoft.com/office/drawing/2010/main" xmlns="" w="9525">
+              <a14:hiddenLine xmlns="" xmlns:a14="http://schemas.microsoft.com/office/drawing/2010/main" w="9525">
                 <a:solidFill>
                   <a:srgbClr val="000000"/>
                 </a:solidFill>
@@ -3081,7 +3081,7 @@
           <a:p>
             <a:fld id="{DEA6EBF0-8E22-42A7-9BEA-2AC7066E6498}" type="datetimeFigureOut">
               <a:rPr lang="ko-KR" altLang="en-US" smtClean="0"/>
-              <a:t>2023-10-04</a:t>
+              <a:t>2024-05-29</a:t>
             </a:fld>
             <a:endParaRPr lang="ko-KR" altLang="en-US"/>
           </a:p>
@@ -3424,7 +3424,7 @@
           <a:p>
             <a:fld id="{DEA6EBF0-8E22-42A7-9BEA-2AC7066E6498}" type="datetimeFigureOut">
               <a:rPr lang="ko-KR" altLang="en-US" smtClean="0"/>
-              <a:t>2023-10-04</a:t>
+              <a:t>2024-05-29</a:t>
             </a:fld>
             <a:endParaRPr lang="ko-KR" altLang="en-US"/>
           </a:p>
@@ -3579,7 +3579,7 @@
           <a:ln/>
           <a:extLst>
             <a:ext uri="{91240B29-F687-4f45-9708-019B960494DF}">
-              <a14:hiddenLine xmlns:a14="http://schemas.microsoft.com/office/drawing/2010/main" xmlns="" w="9525">
+              <a14:hiddenLine xmlns="" xmlns:a14="http://schemas.microsoft.com/office/drawing/2010/main" w="9525">
                 <a:solidFill>
                   <a:srgbClr val="000000"/>
                 </a:solidFill>
@@ -3763,7 +3763,7 @@
           <a:p>
             <a:fld id="{DEA6EBF0-8E22-42A7-9BEA-2AC7066E6498}" type="datetimeFigureOut">
               <a:rPr lang="ko-KR" altLang="en-US" smtClean="0"/>
-              <a:t>2023-10-04</a:t>
+              <a:t>2024-05-29</a:t>
             </a:fld>
             <a:endParaRPr lang="ko-KR" altLang="en-US"/>
           </a:p>
@@ -3918,7 +3918,7 @@
           <a:ln/>
           <a:extLst>
             <a:ext uri="{91240B29-F687-4f45-9708-019B960494DF}">
-              <a14:hiddenLine xmlns:a14="http://schemas.microsoft.com/office/drawing/2010/main" xmlns="" w="9525">
+              <a14:hiddenLine xmlns="" xmlns:a14="http://schemas.microsoft.com/office/drawing/2010/main" w="9525">
                 <a:solidFill>
                   <a:srgbClr val="000000"/>
                 </a:solidFill>
@@ -4240,7 +4240,7 @@
           <a:p>
             <a:fld id="{DEA6EBF0-8E22-42A7-9BEA-2AC7066E6498}" type="datetimeFigureOut">
               <a:rPr lang="ko-KR" altLang="en-US" smtClean="0"/>
-              <a:t>2023-10-04</a:t>
+              <a:t>2024-05-29</a:t>
             </a:fld>
             <a:endParaRPr lang="ko-KR" altLang="en-US"/>
           </a:p>
@@ -4335,7 +4335,7 @@
           <a:p>
             <a:fld id="{DEA6EBF0-8E22-42A7-9BEA-2AC7066E6498}" type="datetimeFigureOut">
               <a:rPr lang="ko-KR" altLang="en-US" smtClean="0"/>
-              <a:t>2023-10-04</a:t>
+              <a:t>2024-05-29</a:t>
             </a:fld>
             <a:endParaRPr lang="ko-KR" altLang="en-US"/>
           </a:p>
@@ -4603,7 +4603,7 @@
           <a:ln/>
           <a:extLst>
             <a:ext uri="{91240B29-F687-4f45-9708-019B960494DF}">
-              <a14:hiddenLine xmlns:a14="http://schemas.microsoft.com/office/drawing/2010/main" xmlns="" w="9525">
+              <a14:hiddenLine xmlns="" xmlns:a14="http://schemas.microsoft.com/office/drawing/2010/main" w="9525">
                 <a:solidFill>
                   <a:srgbClr val="000000"/>
                 </a:solidFill>
@@ -4802,7 +4802,7 @@
           <a:p>
             <a:fld id="{DEA6EBF0-8E22-42A7-9BEA-2AC7066E6498}" type="datetimeFigureOut">
               <a:rPr lang="ko-KR" altLang="en-US" smtClean="0"/>
-              <a:t>2023-10-04</a:t>
+              <a:t>2024-05-29</a:t>
             </a:fld>
             <a:endParaRPr lang="ko-KR" altLang="en-US"/>
           </a:p>
@@ -5115,7 +5115,7 @@
           <a:p>
             <a:fld id="{DEA6EBF0-8E22-42A7-9BEA-2AC7066E6498}" type="datetimeFigureOut">
               <a:rPr lang="ko-KR" altLang="en-US" smtClean="0"/>
-              <a:t>2023-10-04</a:t>
+              <a:t>2024-05-29</a:t>
             </a:fld>
             <a:endParaRPr lang="ko-KR" altLang="en-US"/>
           </a:p>
@@ -5385,7 +5385,7 @@
           <a:p>
             <a:fld id="{DEA6EBF0-8E22-42A7-9BEA-2AC7066E6498}" type="datetimeFigureOut">
               <a:rPr lang="ko-KR" altLang="en-US" smtClean="0"/>
-              <a:t>2023-10-04</a:t>
+              <a:t>2024-05-29</a:t>
             </a:fld>
             <a:endParaRPr lang="ko-KR" altLang="en-US"/>
           </a:p>
@@ -6144,8 +6144,12 @@
               <a:t>[</a:t>
             </a:r>
             <a:r>
+              <a:rPr lang="en-US" altLang="ko-KR" sz="1400" dirty="0" err="1"/>
+              <a:t>PartON</a:t>
+            </a:r>
+            <a:r>
               <a:rPr lang="en-US" altLang="ko-KR" sz="1400" dirty="0"/>
-              <a:t>~ </a:t>
+              <a:t> ~ </a:t>
             </a:r>
             <a:r>
               <a:rPr lang="en-US" altLang="ko-KR" sz="1400" dirty="0" err="1"/>
@@ -6245,6 +6249,18 @@
             <a:r>
               <a:rPr lang="en-US" altLang="ko-KR" sz="1400" dirty="0"/>
               <a:t>~</a:t>
+            </a:r>
+            <a:r>
+              <a:rPr lang="en-US" altLang="ko-KR" sz="1400" dirty="0">
+                <a:ea typeface="현대하모니 M" panose="02020603020101020101"/>
+              </a:rPr>
+              <a:t> </a:t>
+            </a:r>
+            <a:r>
+              <a:rPr lang="en-US" altLang="ko-KR" sz="1400" dirty="0" err="1">
+                <a:ea typeface="현대하모니 M" panose="02020603020101020101"/>
+              </a:rPr>
+              <a:t>PartOFF</a:t>
             </a:r>
             <a:r>
               <a:rPr lang="en-US" altLang="ko-KR" sz="1400" dirty="0">

--- a/DsDotNet/src/UnitTest/UnitTest.Model/ImportOfficeExample/Sample/Lib/Part/Sensor.pptx
+++ b/DsDotNet/src/UnitTest/UnitTest.Model/ImportOfficeExample/Sample/Lib/Part/Sensor.pptx
@@ -216,7 +216,7 @@
           <a:p>
             <a:fld id="{DD503887-5801-43A0-AEF9-041E8DDC2558}" type="datetimeFigureOut">
               <a:rPr lang="ko-KR" altLang="en-US" smtClean="0"/>
-              <a:t>2024-05-29</a:t>
+              <a:t>2024-05-30</a:t>
             </a:fld>
             <a:endParaRPr lang="ko-KR" altLang="en-US"/>
           </a:p>
@@ -393,7 +393,7 @@
           <a:p>
             <a:fld id="{95336A0E-57B1-4D4C-BD9B-2F72B5943464}" type="datetimeFigureOut">
               <a:rPr lang="ko-KR" altLang="en-US" smtClean="0"/>
-              <a:t>2024-05-29</a:t>
+              <a:t>2024-05-30</a:t>
             </a:fld>
             <a:endParaRPr lang="ko-KR" altLang="en-US"/>
           </a:p>
@@ -947,7 +947,7 @@
           <a:p>
             <a:fld id="{DEA6EBF0-8E22-42A7-9BEA-2AC7066E6498}" type="datetimeFigureOut">
               <a:rPr lang="ko-KR" altLang="en-US" smtClean="0"/>
-              <a:t>2024-05-29</a:t>
+              <a:t>2024-05-30</a:t>
             </a:fld>
             <a:endParaRPr lang="ko-KR" altLang="en-US"/>
           </a:p>
@@ -1265,7 +1265,7 @@
           <a:p>
             <a:fld id="{DEA6EBF0-8E22-42A7-9BEA-2AC7066E6498}" type="datetimeFigureOut">
               <a:rPr lang="ko-KR" altLang="en-US" smtClean="0"/>
-              <a:t>2024-05-29</a:t>
+              <a:t>2024-05-30</a:t>
             </a:fld>
             <a:endParaRPr lang="ko-KR" altLang="en-US"/>
           </a:p>
@@ -1753,7 +1753,7 @@
           <a:p>
             <a:fld id="{DEA6EBF0-8E22-42A7-9BEA-2AC7066E6498}" type="datetimeFigureOut">
               <a:rPr lang="ko-KR" altLang="en-US" smtClean="0"/>
-              <a:t>2024-05-29</a:t>
+              <a:t>2024-05-30</a:t>
             </a:fld>
             <a:endParaRPr lang="ko-KR" altLang="en-US"/>
           </a:p>
@@ -2122,7 +2122,7 @@
           <a:p>
             <a:fld id="{DEA6EBF0-8E22-42A7-9BEA-2AC7066E6498}" type="datetimeFigureOut">
               <a:rPr lang="ko-KR" altLang="en-US" smtClean="0"/>
-              <a:t>2024-05-29</a:t>
+              <a:t>2024-05-30</a:t>
             </a:fld>
             <a:endParaRPr lang="ko-KR" altLang="en-US"/>
           </a:p>
@@ -2395,7 +2395,7 @@
           <a:p>
             <a:fld id="{DEA6EBF0-8E22-42A7-9BEA-2AC7066E6498}" type="datetimeFigureOut">
               <a:rPr lang="ko-KR" altLang="en-US" smtClean="0"/>
-              <a:t>2024-05-29</a:t>
+              <a:t>2024-05-30</a:t>
             </a:fld>
             <a:endParaRPr lang="ko-KR" altLang="en-US"/>
           </a:p>
@@ -2680,7 +2680,7 @@
           <a:p>
             <a:fld id="{DEA6EBF0-8E22-42A7-9BEA-2AC7066E6498}" type="datetimeFigureOut">
               <a:rPr lang="ko-KR" altLang="en-US" smtClean="0"/>
-              <a:t>2024-05-29</a:t>
+              <a:t>2024-05-30</a:t>
             </a:fld>
             <a:endParaRPr lang="ko-KR" altLang="en-US"/>
           </a:p>
@@ -2798,7 +2798,7 @@
           <a:p>
             <a:fld id="{DEA6EBF0-8E22-42A7-9BEA-2AC7066E6498}" type="datetimeFigureOut">
               <a:rPr lang="ko-KR" altLang="en-US" smtClean="0"/>
-              <a:t>2024-05-29</a:t>
+              <a:t>2024-05-30</a:t>
             </a:fld>
             <a:endParaRPr lang="ko-KR" altLang="en-US"/>
           </a:p>
@@ -3081,7 +3081,7 @@
           <a:p>
             <a:fld id="{DEA6EBF0-8E22-42A7-9BEA-2AC7066E6498}" type="datetimeFigureOut">
               <a:rPr lang="ko-KR" altLang="en-US" smtClean="0"/>
-              <a:t>2024-05-29</a:t>
+              <a:t>2024-05-30</a:t>
             </a:fld>
             <a:endParaRPr lang="ko-KR" altLang="en-US"/>
           </a:p>
@@ -3424,7 +3424,7 @@
           <a:p>
             <a:fld id="{DEA6EBF0-8E22-42A7-9BEA-2AC7066E6498}" type="datetimeFigureOut">
               <a:rPr lang="ko-KR" altLang="en-US" smtClean="0"/>
-              <a:t>2024-05-29</a:t>
+              <a:t>2024-05-30</a:t>
             </a:fld>
             <a:endParaRPr lang="ko-KR" altLang="en-US"/>
           </a:p>
@@ -3763,7 +3763,7 @@
           <a:p>
             <a:fld id="{DEA6EBF0-8E22-42A7-9BEA-2AC7066E6498}" type="datetimeFigureOut">
               <a:rPr lang="ko-KR" altLang="en-US" smtClean="0"/>
-              <a:t>2024-05-29</a:t>
+              <a:t>2024-05-30</a:t>
             </a:fld>
             <a:endParaRPr lang="ko-KR" altLang="en-US"/>
           </a:p>
@@ -4240,7 +4240,7 @@
           <a:p>
             <a:fld id="{DEA6EBF0-8E22-42A7-9BEA-2AC7066E6498}" type="datetimeFigureOut">
               <a:rPr lang="ko-KR" altLang="en-US" smtClean="0"/>
-              <a:t>2024-05-29</a:t>
+              <a:t>2024-05-30</a:t>
             </a:fld>
             <a:endParaRPr lang="ko-KR" altLang="en-US"/>
           </a:p>
@@ -4335,7 +4335,7 @@
           <a:p>
             <a:fld id="{DEA6EBF0-8E22-42A7-9BEA-2AC7066E6498}" type="datetimeFigureOut">
               <a:rPr lang="ko-KR" altLang="en-US" smtClean="0"/>
-              <a:t>2024-05-29</a:t>
+              <a:t>2024-05-30</a:t>
             </a:fld>
             <a:endParaRPr lang="ko-KR" altLang="en-US"/>
           </a:p>
@@ -4802,7 +4802,7 @@
           <a:p>
             <a:fld id="{DEA6EBF0-8E22-42A7-9BEA-2AC7066E6498}" type="datetimeFigureOut">
               <a:rPr lang="ko-KR" altLang="en-US" smtClean="0"/>
-              <a:t>2024-05-29</a:t>
+              <a:t>2024-05-30</a:t>
             </a:fld>
             <a:endParaRPr lang="ko-KR" altLang="en-US"/>
           </a:p>
@@ -5115,7 +5115,7 @@
           <a:p>
             <a:fld id="{DEA6EBF0-8E22-42A7-9BEA-2AC7066E6498}" type="datetimeFigureOut">
               <a:rPr lang="ko-KR" altLang="en-US" smtClean="0"/>
-              <a:t>2024-05-29</a:t>
+              <a:t>2024-05-30</a:t>
             </a:fld>
             <a:endParaRPr lang="ko-KR" altLang="en-US"/>
           </a:p>
@@ -5385,7 +5385,7 @@
           <a:p>
             <a:fld id="{DEA6EBF0-8E22-42A7-9BEA-2AC7066E6498}" type="datetimeFigureOut">
               <a:rPr lang="ko-KR" altLang="en-US" smtClean="0"/>
-              <a:t>2024-05-29</a:t>
+              <a:t>2024-05-30</a:t>
             </a:fld>
             <a:endParaRPr lang="ko-KR" altLang="en-US"/>
           </a:p>
@@ -6011,7 +6011,7 @@
           <a:p>
             <a:pPr algn="ctr"/>
             <a:r>
-              <a:rPr lang="en-US" altLang="ko-KR" sz="1200" dirty="0" err="1"/>
+              <a:rPr lang="en-US" altLang="ko-KR" sz="1200" dirty="0"/>
               <a:t>PartON</a:t>
             </a:r>
             <a:endParaRPr lang="ko-KR" altLang="en-US" sz="1200" dirty="0"/>
@@ -6067,12 +6067,12 @@
           <a:p>
             <a:pPr algn="ctr"/>
             <a:r>
-              <a:rPr lang="en-US" altLang="ko-KR" sz="1200" dirty="0" err="1">
+              <a:rPr lang="en-US" altLang="ko-KR" sz="1200" u="sng" dirty="0">
                 <a:ea typeface="현대하모니 M" panose="02020603020101020101"/>
               </a:rPr>
               <a:t>PartOFF</a:t>
             </a:r>
-            <a:endParaRPr lang="ko-KR" altLang="en-US" sz="1200" dirty="0"/>
+            <a:endParaRPr lang="ko-KR" altLang="en-US" sz="1200" u="sng" dirty="0"/>
           </a:p>
         </p:txBody>
       </p:sp>
@@ -6090,7 +6090,7 @@
         </p:nvSpPr>
         <p:spPr>
           <a:xfrm>
-            <a:off x="9535386" y="2236091"/>
+            <a:off x="8435356" y="2933255"/>
             <a:ext cx="2617433" cy="690024"/>
           </a:xfrm>
           <a:prstGeom prst="homePlate">
@@ -6144,16 +6144,8 @@
               <a:t>[</a:t>
             </a:r>
             <a:r>
-              <a:rPr lang="en-US" altLang="ko-KR" sz="1400" dirty="0" err="1"/>
-              <a:t>PartON</a:t>
-            </a:r>
-            <a:r>
               <a:rPr lang="en-US" altLang="ko-KR" sz="1400" dirty="0"/>
-              <a:t> ~ </a:t>
-            </a:r>
-            <a:r>
-              <a:rPr lang="en-US" altLang="ko-KR" sz="1400" dirty="0" err="1"/>
-              <a:t>PartON</a:t>
+              <a:t>MOVE ~ PartON</a:t>
             </a:r>
             <a:r>
               <a:rPr lang="en-US" altLang="ko-KR" sz="1400" dirty="0">
@@ -6181,7 +6173,7 @@
         </p:nvSpPr>
         <p:spPr>
           <a:xfrm>
-            <a:off x="9535385" y="3015569"/>
+            <a:off x="8435355" y="3712733"/>
             <a:ext cx="2617433" cy="690024"/>
           </a:xfrm>
           <a:prstGeom prst="homePlate">
@@ -6229,44 +6221,30 @@
           <a:p>
             <a:pPr algn="ctr"/>
             <a:r>
+              <a:rPr lang="en-US" altLang="ko-KR" sz="1400">
+                <a:ea typeface="현대하모니 M" panose="02020603020101020101"/>
+              </a:rPr>
+              <a:t>[</a:t>
+            </a:r>
+            <a:r>
+              <a:rPr lang="en-US" altLang="ko-KR" sz="1400"/>
+              <a:t>REMOVE</a:t>
+            </a:r>
+            <a:r>
+              <a:rPr lang="en-US" altLang="ko-KR" sz="1400">
+                <a:ea typeface="현대하모니 M" panose="02020603020101020101"/>
+              </a:rPr>
+              <a:t> </a:t>
+            </a:r>
+            <a:r>
+              <a:rPr lang="en-US" altLang="ko-KR" sz="1400" dirty="0"/>
+              <a:t>~</a:t>
+            </a:r>
+            <a:r>
               <a:rPr lang="en-US" altLang="ko-KR" sz="1400" dirty="0">
                 <a:ea typeface="현대하모니 M" panose="02020603020101020101"/>
               </a:rPr>
-              <a:t>[</a:t>
-            </a:r>
-            <a:r>
-              <a:rPr lang="en-US" altLang="ko-KR" sz="1400" dirty="0" err="1">
-                <a:ea typeface="현대하모니 M" panose="02020603020101020101"/>
-              </a:rPr>
-              <a:t>PartOFF</a:t>
-            </a:r>
-            <a:r>
-              <a:rPr lang="en-US" altLang="ko-KR" sz="1400" dirty="0">
-                <a:ea typeface="현대하모니 M" panose="02020603020101020101"/>
-              </a:rPr>
-              <a:t> </a:t>
-            </a:r>
-            <a:r>
-              <a:rPr lang="en-US" altLang="ko-KR" sz="1400" dirty="0"/>
-              <a:t>~</a:t>
-            </a:r>
-            <a:r>
-              <a:rPr lang="en-US" altLang="ko-KR" sz="1400" dirty="0">
-                <a:ea typeface="현대하모니 M" panose="02020603020101020101"/>
-              </a:rPr>
-              <a:t> </a:t>
-            </a:r>
-            <a:r>
-              <a:rPr lang="en-US" altLang="ko-KR" sz="1400" dirty="0" err="1">
-                <a:ea typeface="현대하모니 M" panose="02020603020101020101"/>
-              </a:rPr>
-              <a:t>PartOFF</a:t>
-            </a:r>
-            <a:r>
-              <a:rPr lang="en-US" altLang="ko-KR" sz="1400" dirty="0">
-                <a:ea typeface="현대하모니 M" panose="02020603020101020101"/>
-              </a:rPr>
-              <a:t>]</a:t>
+              <a:t> PartOFF]</a:t>
             </a:r>
             <a:endParaRPr lang="ko-KR" altLang="en-US" sz="1400" dirty="0">
               <a:ea typeface="현대하모니 M" panose="02020603020101020101"/>
@@ -6274,56 +6252,6 @@
           </a:p>
         </p:txBody>
       </p:sp>
-      <p:cxnSp>
-        <p:nvCxnSpPr>
-          <p:cNvPr id="82" name="연결선: 꺾임 81">
-            <a:extLst>
-              <a:ext uri="{FF2B5EF4-FFF2-40B4-BE49-F238E27FC236}">
-                <a16:creationId xmlns:a16="http://schemas.microsoft.com/office/drawing/2014/main" id="{F7145B42-2C09-D6CE-2298-12CF80CB6686}"/>
-              </a:ext>
-            </a:extLst>
-          </p:cNvPr>
-          <p:cNvCxnSpPr>
-            <a:cxnSpLocks/>
-            <a:stCxn id="81" idx="1"/>
-            <a:endCxn id="80" idx="1"/>
-          </p:cNvCxnSpPr>
-          <p:nvPr/>
-        </p:nvCxnSpPr>
-        <p:spPr>
-          <a:xfrm rot="10800000" flipH="1">
-            <a:off x="9535384" y="2581103"/>
-            <a:ext cx="1" cy="779478"/>
-          </a:xfrm>
-          <a:prstGeom prst="bentConnector3">
-            <a:avLst>
-              <a:gd name="adj1" fmla="val -22860000000"/>
-            </a:avLst>
-          </a:prstGeom>
-          <a:ln w="57150" cmpd="dbl">
-            <a:solidFill>
-              <a:schemeClr val="accent6"/>
-            </a:solidFill>
-            <a:prstDash val="dash"/>
-            <a:headEnd type="triangle" w="med" len="med"/>
-            <a:tailEnd type="triangle" w="med" len="med"/>
-          </a:ln>
-        </p:spPr>
-        <p:style>
-          <a:lnRef idx="1">
-            <a:schemeClr val="accent1"/>
-          </a:lnRef>
-          <a:fillRef idx="0">
-            <a:schemeClr val="accent1"/>
-          </a:fillRef>
-          <a:effectRef idx="0">
-            <a:schemeClr val="accent1"/>
-          </a:effectRef>
-          <a:fontRef idx="minor">
-            <a:schemeClr val="tx1"/>
-          </a:fontRef>
-        </p:style>
-      </p:cxnSp>
       <p:sp>
         <p:nvSpPr>
           <p:cNvPr id="5" name="직사각형 4">
@@ -6374,14 +6302,7 @@
             <a:pPr algn="ctr"/>
             <a:r>
               <a:rPr lang="en-US" altLang="ko-KR" sz="1200" dirty="0"/>
-              <a:t>Position</a:t>
-            </a:r>
-          </a:p>
-          <a:p>
-            <a:pPr algn="ctr"/>
-            <a:r>
-              <a:rPr lang="en-US" altLang="ko-KR" sz="1200" dirty="0"/>
-              <a:t>ADV</a:t>
+              <a:t>MOVE</a:t>
             </a:r>
             <a:endParaRPr lang="ko-KR" altLang="en-US" sz="1200" dirty="0"/>
           </a:p>
@@ -6480,14 +6401,7 @@
             <a:pPr algn="ctr"/>
             <a:r>
               <a:rPr lang="en-US" altLang="ko-KR" sz="1200" dirty="0"/>
-              <a:t>Position</a:t>
-            </a:r>
-          </a:p>
-          <a:p>
-            <a:pPr algn="ctr"/>
-            <a:r>
-              <a:rPr lang="en-US" altLang="ko-KR" sz="1200" dirty="0"/>
-              <a:t>RET</a:t>
+              <a:t>REMOVE</a:t>
             </a:r>
             <a:endParaRPr lang="ko-KR" altLang="en-US" sz="1200" dirty="0"/>
           </a:p>
@@ -6538,10 +6452,102 @@
       </p:cxnSp>
       <p:cxnSp>
         <p:nvCxnSpPr>
-          <p:cNvPr id="11" name="연결선: 꺾임 10">
+          <p:cNvPr id="29" name="직선 화살표 연결선 28">
             <a:extLst>
               <a:ext uri="{FF2B5EF4-FFF2-40B4-BE49-F238E27FC236}">
-                <a16:creationId xmlns:a16="http://schemas.microsoft.com/office/drawing/2014/main" id="{AA637FA8-458B-905B-7F45-2CFC2FD67AD8}"/>
+                <a16:creationId xmlns:a16="http://schemas.microsoft.com/office/drawing/2014/main" id="{BA79CABF-0136-B798-E772-AC10BECA150E}"/>
+              </a:ext>
+            </a:extLst>
+          </p:cNvPr>
+          <p:cNvCxnSpPr>
+            <a:cxnSpLocks/>
+            <a:stCxn id="8" idx="0"/>
+            <a:endCxn id="57" idx="2"/>
+          </p:cNvCxnSpPr>
+          <p:nvPr/>
+        </p:nvCxnSpPr>
+        <p:spPr>
+          <a:xfrm flipV="1">
+            <a:off x="2191238" y="4057745"/>
+            <a:ext cx="2550845" cy="1089996"/>
+          </a:xfrm>
+          <a:prstGeom prst="straightConnector1">
+            <a:avLst/>
+          </a:prstGeom>
+          <a:ln w="25400">
+            <a:prstDash val="dash"/>
+            <a:headEnd w="lg" len="lg"/>
+            <a:tailEnd type="triangle" w="lg" len="lg"/>
+          </a:ln>
+        </p:spPr>
+        <p:style>
+          <a:lnRef idx="1">
+            <a:schemeClr val="accent1"/>
+          </a:lnRef>
+          <a:fillRef idx="0">
+            <a:schemeClr val="accent1"/>
+          </a:fillRef>
+          <a:effectRef idx="0">
+            <a:schemeClr val="accent1"/>
+          </a:effectRef>
+          <a:fontRef idx="minor">
+            <a:schemeClr val="tx1"/>
+          </a:fontRef>
+        </p:style>
+      </p:cxnSp>
+      <p:cxnSp>
+        <p:nvCxnSpPr>
+          <p:cNvPr id="4" name="연결선: 꺾임 3">
+            <a:extLst>
+              <a:ext uri="{FF2B5EF4-FFF2-40B4-BE49-F238E27FC236}">
+                <a16:creationId xmlns:a16="http://schemas.microsoft.com/office/drawing/2014/main" id="{34098DB8-29D4-8658-B398-32A3771E3C11}"/>
+              </a:ext>
+            </a:extLst>
+          </p:cNvPr>
+          <p:cNvCxnSpPr>
+            <a:cxnSpLocks/>
+            <a:stCxn id="81" idx="3"/>
+            <a:endCxn id="80" idx="3"/>
+          </p:cNvCxnSpPr>
+          <p:nvPr/>
+        </p:nvCxnSpPr>
+        <p:spPr>
+          <a:xfrm flipV="1">
+            <a:off x="11052788" y="3278267"/>
+            <a:ext cx="1" cy="779478"/>
+          </a:xfrm>
+          <a:prstGeom prst="bentConnector3">
+            <a:avLst>
+              <a:gd name="adj1" fmla="val 22860100000"/>
+            </a:avLst>
+          </a:prstGeom>
+          <a:ln w="25400">
+            <a:prstDash val="dash"/>
+            <a:headEnd type="triangle" w="lg" len="lg"/>
+            <a:tailEnd type="triangle" w="lg" len="lg"/>
+          </a:ln>
+        </p:spPr>
+        <p:style>
+          <a:lnRef idx="1">
+            <a:schemeClr val="accent1"/>
+          </a:lnRef>
+          <a:fillRef idx="0">
+            <a:schemeClr val="accent1"/>
+          </a:fillRef>
+          <a:effectRef idx="0">
+            <a:schemeClr val="accent1"/>
+          </a:effectRef>
+          <a:fontRef idx="minor">
+            <a:schemeClr val="tx1"/>
+          </a:fontRef>
+        </p:style>
+      </p:cxnSp>
+      <p:cxnSp>
+        <p:nvCxnSpPr>
+          <p:cNvPr id="6" name="연결선: 꺾임 5">
+            <a:extLst>
+              <a:ext uri="{FF2B5EF4-FFF2-40B4-BE49-F238E27FC236}">
+                <a16:creationId xmlns:a16="http://schemas.microsoft.com/office/drawing/2014/main" id="{9F80F270-383B-485C-B16A-A620CE271D52}"/>
               </a:ext>
             </a:extLst>
           </p:cNvPr>
@@ -6562,13 +6568,10 @@
               <a:gd name="adj1" fmla="val 50000"/>
             </a:avLst>
           </a:prstGeom>
-          <a:ln w="57150" cmpd="dbl">
-            <a:solidFill>
-              <a:schemeClr val="accent6"/>
-            </a:solidFill>
+          <a:ln w="25400">
             <a:prstDash val="dash"/>
-            <a:headEnd type="triangle" w="med" len="med"/>
-            <a:tailEnd type="triangle" w="med" len="med"/>
+            <a:headEnd type="triangle" w="lg" len="lg"/>
+            <a:tailEnd type="triangle" w="lg" len="lg"/>
           </a:ln>
         </p:spPr>
         <p:style>
@@ -6588,83 +6591,32 @@
       </p:cxnSp>
       <p:cxnSp>
         <p:nvCxnSpPr>
-          <p:cNvPr id="28" name="직선 화살표 연결선 27">
+          <p:cNvPr id="18" name="직선 화살표 연결선 17">
             <a:extLst>
               <a:ext uri="{FF2B5EF4-FFF2-40B4-BE49-F238E27FC236}">
-                <a16:creationId xmlns:a16="http://schemas.microsoft.com/office/drawing/2014/main" id="{8573FCF5-A496-0639-AC7B-86C915E166F5}"/>
+                <a16:creationId xmlns:a16="http://schemas.microsoft.com/office/drawing/2014/main" id="{DEF67E3E-9FFA-DA77-6759-4D894E9BB8D9}"/>
               </a:ext>
             </a:extLst>
           </p:cNvPr>
           <p:cNvCxnSpPr>
             <a:cxnSpLocks/>
-            <a:stCxn id="5" idx="3"/>
+            <a:stCxn id="5" idx="2"/>
             <a:endCxn id="68" idx="0"/>
           </p:cNvCxnSpPr>
           <p:nvPr/>
         </p:nvCxnSpPr>
         <p:spPr>
           <a:xfrm>
-            <a:off x="2748684" y="3524530"/>
-            <a:ext cx="2056046" cy="1623211"/>
+            <a:off x="2197141" y="4057745"/>
+            <a:ext cx="2607589" cy="1089996"/>
           </a:xfrm>
           <a:prstGeom prst="straightConnector1">
             <a:avLst/>
           </a:prstGeom>
-          <a:ln w="57150" cmpd="dbl">
-            <a:solidFill>
-              <a:schemeClr val="accent6"/>
-            </a:solidFill>
+          <a:ln w="25400">
             <a:prstDash val="dash"/>
-            <a:headEnd type="none" w="med" len="med"/>
-            <a:tailEnd type="triangle" w="med" len="med"/>
-          </a:ln>
-        </p:spPr>
-        <p:style>
-          <a:lnRef idx="1">
-            <a:schemeClr val="accent1"/>
-          </a:lnRef>
-          <a:fillRef idx="0">
-            <a:schemeClr val="accent1"/>
-          </a:fillRef>
-          <a:effectRef idx="0">
-            <a:schemeClr val="accent1"/>
-          </a:effectRef>
-          <a:fontRef idx="minor">
-            <a:schemeClr val="tx1"/>
-          </a:fontRef>
-        </p:style>
-      </p:cxnSp>
-      <p:cxnSp>
-        <p:nvCxnSpPr>
-          <p:cNvPr id="29" name="직선 화살표 연결선 28">
-            <a:extLst>
-              <a:ext uri="{FF2B5EF4-FFF2-40B4-BE49-F238E27FC236}">
-                <a16:creationId xmlns:a16="http://schemas.microsoft.com/office/drawing/2014/main" id="{BA79CABF-0136-B798-E772-AC10BECA150E}"/>
-              </a:ext>
-            </a:extLst>
-          </p:cNvPr>
-          <p:cNvCxnSpPr>
-            <a:cxnSpLocks/>
-            <a:stCxn id="8" idx="3"/>
-            <a:endCxn id="57" idx="2"/>
-          </p:cNvCxnSpPr>
-          <p:nvPr/>
-        </p:nvCxnSpPr>
-        <p:spPr>
-          <a:xfrm flipV="1">
-            <a:off x="2742781" y="4057745"/>
-            <a:ext cx="1999302" cy="1623212"/>
-          </a:xfrm>
-          <a:prstGeom prst="straightConnector1">
-            <a:avLst/>
-          </a:prstGeom>
-          <a:ln w="57150" cmpd="dbl">
-            <a:solidFill>
-              <a:schemeClr val="accent6"/>
-            </a:solidFill>
-            <a:prstDash val="dash"/>
-            <a:headEnd type="none" w="med" len="med"/>
-            <a:tailEnd type="triangle" w="med" len="med"/>
+            <a:headEnd w="lg" len="lg"/>
+            <a:tailEnd type="triangle" w="lg" len="lg"/>
           </a:ln>
         </p:spPr>
         <p:style>
